--- a/pics/11 - BigDataAnalytics - ANDERSON.pptx
+++ b/pics/11 - BigDataAnalytics - ANDERSON.pptx
@@ -22,8 +22,8 @@
     <p:sldId id="442" r:id="rId13"/>
     <p:sldId id="443" r:id="rId14"/>
     <p:sldId id="447" r:id="rId15"/>
-    <p:sldId id="448" r:id="rId16"/>
-    <p:sldId id="450" r:id="rId17"/>
+    <p:sldId id="450" r:id="rId16"/>
+    <p:sldId id="448" r:id="rId17"/>
     <p:sldId id="451" r:id="rId18"/>
     <p:sldId id="434" r:id="rId19"/>
     <p:sldId id="440" r:id="rId20"/>
@@ -46,21 +46,14 @@
   <p:notesSz cx="6858000" cy="9144000"/>
   <p:embeddedFontLst>
     <p:embeddedFont>
-      <p:font typeface="Catamaran" panose="020B0604020202020204" charset="0"/>
+      <p:font typeface="Catamaran" pitchFamily="2" charset="77"/>
       <p:regular r:id="rId37"/>
       <p:bold r:id="rId38"/>
     </p:embeddedFont>
     <p:embeddedFont>
-      <p:font typeface="Catamaran Thin" panose="020B0604020202020204" charset="0"/>
+      <p:font typeface="Catamaran Thin" pitchFamily="2" charset="77"/>
       <p:regular r:id="rId39"/>
       <p:bold r:id="rId40"/>
-    </p:embeddedFont>
-    <p:embeddedFont>
-      <p:font typeface="Montserrat" panose="00000500000000000000" pitchFamily="2" charset="0"/>
-      <p:regular r:id="rId41"/>
-      <p:bold r:id="rId42"/>
-      <p:italic r:id="rId43"/>
-      <p:boldItalic r:id="rId44"/>
     </p:embeddedFont>
   </p:embeddedFontLst>
   <p:defaultTextStyle>
@@ -393,7 +386,7 @@
           <a:p>
             <a:fld id="{2FA52922-75C7-42B5-8AC7-D36A1A888AD7}" type="datetimeFigureOut">
               <a:rPr lang="pt-BR" smtClean="0"/>
-              <a:t>12/12/2022</a:t>
+              <a:t>13/12/2022</a:t>
             </a:fld>
             <a:endParaRPr lang="pt-BR"/>
           </a:p>
@@ -973,77 +966,265 @@
           <a:bodyPr/>
           <a:lstStyle/>
           <a:p>
-            <a:pPr marL="139700" indent="0">
-              <a:buNone/>
-            </a:pPr>
-            <a:r>
-              <a:rPr lang="pt-BR" b="0" i="0" dirty="0">
-                <a:solidFill>
-                  <a:srgbClr val="4B4B4B"/>
-                </a:solidFill>
-                <a:effectLst/>
-                <a:latin typeface="Montserrat" panose="00000500000000000000" pitchFamily="2" charset="0"/>
+            <a:r>
+              <a:rPr lang="pt-BR" sz="1100" dirty="0">
+                <a:latin typeface="+mj-lt"/>
               </a:rPr>
-              <a:t>O auge da </a:t>
-            </a:r>
-            <a:r>
-              <a:rPr lang="pt-BR" b="1" i="0" dirty="0">
-                <a:solidFill>
-                  <a:srgbClr val="212121"/>
-                </a:solidFill>
-                <a:effectLst/>
-                <a:latin typeface="Montserrat" panose="00000500000000000000" pitchFamily="2" charset="0"/>
+              <a:t>É do senso comum que a taxa </a:t>
+            </a:r>
+            <a:r>
+              <a:rPr lang="pt-BR" sz="1100" dirty="0"/>
+              <a:t>S</a:t>
+            </a:r>
+            <a:r>
+              <a:rPr lang="pt-BR" sz="1100" dirty="0">
+                <a:latin typeface="+mj-lt"/>
               </a:rPr>
-              <a:t>crise do </a:t>
-            </a:r>
-            <a:r>
-              <a:rPr lang="pt-BR" b="1" i="0" dirty="0" err="1">
-                <a:solidFill>
-                  <a:srgbClr val="212121"/>
-                </a:solidFill>
-                <a:effectLst/>
-                <a:latin typeface="Montserrat" panose="00000500000000000000" pitchFamily="2" charset="0"/>
+              <a:t>elic tem influência no desempenho do índice Bovespa;</a:t>
+            </a:r>
+          </a:p>
+          <a:p>
+            <a:r>
+              <a:rPr lang="pt-BR" sz="1100" dirty="0">
+                <a:latin typeface="+mj-lt"/>
               </a:rPr>
-              <a:t>subprime</a:t>
-            </a:r>
-            <a:r>
-              <a:rPr lang="pt-BR" b="0" i="0" dirty="0">
-                <a:solidFill>
-                  <a:srgbClr val="4B4B4B"/>
-                </a:solidFill>
-                <a:effectLst/>
-                <a:latin typeface="Montserrat" panose="00000500000000000000" pitchFamily="2" charset="0"/>
+              <a:t>No entanto quantificar esta influência demanda modelos de predições dinâmicas;</a:t>
+            </a:r>
+          </a:p>
+          <a:p>
+            <a:r>
+              <a:rPr lang="pt-BR" sz="1100" dirty="0">
+                <a:latin typeface="+mj-lt"/>
               </a:rPr>
-              <a:t> foi deflagrado com a quebra de um dos bancos de investimentos mais tradicional dos EUA, o </a:t>
-            </a:r>
-            <a:r>
-              <a:rPr lang="pt-BR" b="1" i="0" dirty="0">
-                <a:solidFill>
-                  <a:srgbClr val="212121"/>
-                </a:solidFill>
-                <a:effectLst/>
-                <a:latin typeface="Montserrat" panose="00000500000000000000" pitchFamily="2" charset="0"/>
+              <a:t>A Selic é um dos principais indexadores para aplicações de renda fixa (menor risco) e o Ibovespa reflete o desempenho da renda variável (maior risco);</a:t>
+            </a:r>
+          </a:p>
+          <a:p>
+            <a:r>
+              <a:rPr lang="pt-BR" sz="1100" dirty="0"/>
+              <a:t>A aversão a riscos aumenta em períodos de incerteza </a:t>
+            </a:r>
+            <a:r>
+              <a:rPr lang="pt-BR" sz="1100" dirty="0">
+                <a:latin typeface="+mj-lt"/>
               </a:rPr>
-              <a:t>Lehman Brothers</a:t>
-            </a:r>
-            <a:r>
-              <a:rPr lang="pt-BR" b="0" i="0" dirty="0">
-                <a:solidFill>
-                  <a:srgbClr val="4B4B4B"/>
-                </a:solidFill>
-                <a:effectLst/>
-                <a:latin typeface="Montserrat" panose="00000500000000000000" pitchFamily="2" charset="0"/>
+              <a:t>econômica;</a:t>
+            </a:r>
+          </a:p>
+          <a:p>
+            <a:r>
+              <a:rPr lang="pt-BR" sz="1100" dirty="0"/>
+              <a:t>As aplicações migram de RV e RF dependendo desse cenário.</a:t>
+            </a:r>
+          </a:p>
+          <a:p>
+            <a:r>
+              <a:rPr lang="pt-BR" sz="1100" dirty="0">
+                <a:latin typeface="+mj-lt"/>
               </a:rPr>
-              <a:t>, desencadeando uma crise nas bolsas do mundo todo.</a:t>
-            </a:r>
-            <a:endParaRPr lang="pt-BR" dirty="0"/>
+              <a:t>Mercado antecipa e incorpora as certezas;</a:t>
+            </a:r>
+          </a:p>
+          <a:p>
+            <a:endParaRPr lang="en-BR" dirty="0"/>
           </a:p>
         </p:txBody>
       </p:sp>
     </p:spTree>
     <p:extLst>
       <p:ext uri="{BB962C8B-B14F-4D97-AF65-F5344CB8AC3E}">
-        <p14:creationId xmlns:p14="http://schemas.microsoft.com/office/powerpoint/2010/main" val="461956233"/>
+        <p14:creationId xmlns:p14="http://schemas.microsoft.com/office/powerpoint/2010/main" val="2964954226"/>
+      </p:ext>
+    </p:extLst>
+  </p:cSld>
+  <p:clrMapOvr>
+    <a:masterClrMapping/>
+  </p:clrMapOvr>
+</p:notes>
+</file>
+
+<file path=ppt/notesSlides/notesSlide10.xml><?xml version="1.0" encoding="utf-8"?>
+<p:notes xmlns:a="http://schemas.openxmlformats.org/drawingml/2006/main" xmlns:r="http://schemas.openxmlformats.org/officeDocument/2006/relationships" xmlns:p="http://schemas.openxmlformats.org/presentationml/2006/main">
+  <p:cSld>
+    <p:spTree>
+      <p:nvGrpSpPr>
+        <p:cNvPr id="1" name=""/>
+        <p:cNvGrpSpPr/>
+        <p:nvPr/>
+      </p:nvGrpSpPr>
+      <p:grpSpPr>
+        <a:xfrm>
+          <a:off x="0" y="0"/>
+          <a:ext cx="0" cy="0"/>
+          <a:chOff x="0" y="0"/>
+          <a:chExt cx="0" cy="0"/>
+        </a:xfrm>
+      </p:grpSpPr>
+      <p:sp>
+        <p:nvSpPr>
+          <p:cNvPr id="2" name="Slide Image Placeholder 1"/>
+          <p:cNvSpPr>
+            <a:spLocks noGrp="1" noRot="1" noChangeAspect="1"/>
+          </p:cNvSpPr>
+          <p:nvPr>
+            <p:ph type="sldImg"/>
+          </p:nvPr>
+        </p:nvSpPr>
+        <p:spPr>
+          <a:xfrm>
+            <a:off x="381000" y="685800"/>
+            <a:ext cx="6096000" cy="3429000"/>
+          </a:xfrm>
+        </p:spPr>
+      </p:sp>
+      <p:sp>
+        <p:nvSpPr>
+          <p:cNvPr id="3" name="Notes Placeholder 2"/>
+          <p:cNvSpPr>
+            <a:spLocks noGrp="1"/>
+          </p:cNvSpPr>
+          <p:nvPr>
+            <p:ph type="body" idx="1"/>
+          </p:nvPr>
+        </p:nvSpPr>
+        <p:spPr/>
+        <p:txBody>
+          <a:bodyPr/>
+          <a:lstStyle/>
+          <a:p>
+            <a:pPr marL="139700" indent="0">
+              <a:buNone/>
+            </a:pPr>
+            <a:r>
+              <a:rPr lang="pt-BR" b="0" i="0" dirty="0">
+                <a:solidFill>
+                  <a:srgbClr val="403D39"/>
+                </a:solidFill>
+                <a:effectLst/>
+                <a:latin typeface="Arial" panose="020B0604020202020204" pitchFamily="34" charset="0"/>
+              </a:rPr>
+              <a:t>Mais profunda e duradoura queda do nível de atividade econômica desde o término da Segunda Guerra Mundial</a:t>
+            </a:r>
+          </a:p>
+          <a:p>
+            <a:pPr marL="139700" indent="0">
+              <a:buNone/>
+            </a:pPr>
+            <a:r>
+              <a:rPr lang="pt-BR" b="0" i="0" dirty="0">
+                <a:solidFill>
+                  <a:srgbClr val="403D39"/>
+                </a:solidFill>
+                <a:effectLst/>
+                <a:latin typeface="Arial" panose="020B0604020202020204" pitchFamily="34" charset="0"/>
+              </a:rPr>
+              <a:t>Dilma </a:t>
+            </a:r>
+            <a:r>
+              <a:rPr lang="pt-BR" b="0" i="0" dirty="0" err="1">
+                <a:solidFill>
+                  <a:srgbClr val="403D39"/>
+                </a:solidFill>
+                <a:effectLst/>
+                <a:latin typeface="Arial" panose="020B0604020202020204" pitchFamily="34" charset="0"/>
+              </a:rPr>
+              <a:t>Russef</a:t>
+            </a:r>
+            <a:endParaRPr lang="pt-BR" b="0" i="0" dirty="0">
+              <a:solidFill>
+                <a:srgbClr val="403D39"/>
+              </a:solidFill>
+              <a:effectLst/>
+              <a:latin typeface="Arial" panose="020B0604020202020204" pitchFamily="34" charset="0"/>
+            </a:endParaRPr>
+          </a:p>
+          <a:p>
+            <a:pPr marL="139700" indent="0">
+              <a:buNone/>
+            </a:pPr>
+            <a:r>
+              <a:rPr lang="pt-BR" b="0" i="0" dirty="0">
+                <a:solidFill>
+                  <a:srgbClr val="202122"/>
+                </a:solidFill>
+                <a:effectLst/>
+                <a:latin typeface="Arial" panose="020B0604020202020204" pitchFamily="34" charset="0"/>
+              </a:rPr>
+              <a:t>A crise se agravou em março do ano seguinte com os escândalos de corrupção investigados pela </a:t>
+            </a:r>
+            <a:r>
+              <a:rPr lang="pt-BR" b="0" i="0" u="none" strike="noStrike" dirty="0">
+                <a:solidFill>
+                  <a:srgbClr val="3366CC"/>
+                </a:solidFill>
+                <a:effectLst/>
+                <a:latin typeface="Arial" panose="020B0604020202020204" pitchFamily="34" charset="0"/>
+                <a:hlinkClick r:id="rId3" tooltip="Operação Lava Jato"/>
+              </a:rPr>
+              <a:t>Operação Lava Jato</a:t>
+            </a:r>
+            <a:endParaRPr lang="pt-BR" b="0" i="0" u="none" strike="noStrike" dirty="0">
+              <a:solidFill>
+                <a:srgbClr val="3366CC"/>
+              </a:solidFill>
+              <a:effectLst/>
+              <a:latin typeface="Arial" panose="020B0604020202020204" pitchFamily="34" charset="0"/>
+            </a:endParaRPr>
+          </a:p>
+          <a:p>
+            <a:pPr marL="139700" indent="0">
+              <a:buNone/>
+            </a:pPr>
+            <a:r>
+              <a:rPr lang="pt-BR" b="0" i="0" dirty="0">
+                <a:solidFill>
+                  <a:srgbClr val="202122"/>
+                </a:solidFill>
+                <a:effectLst/>
+                <a:latin typeface="Arial" panose="020B0604020202020204" pitchFamily="34" charset="0"/>
+              </a:rPr>
+              <a:t>31-Ago-2016, Dilma foi afastada do cargo por um </a:t>
+            </a:r>
+            <a:r>
+              <a:rPr lang="pt-BR" b="0" i="0" u="none" strike="noStrike" dirty="0">
+                <a:solidFill>
+                  <a:srgbClr val="3366CC"/>
+                </a:solidFill>
+                <a:effectLst/>
+                <a:latin typeface="Arial" panose="020B0604020202020204" pitchFamily="34" charset="0"/>
+                <a:hlinkClick r:id="rId4" tooltip="Impeachment de Dilma Rousseff"/>
+              </a:rPr>
+              <a:t>processo de </a:t>
+            </a:r>
+            <a:r>
+              <a:rPr lang="pt-BR" b="0" i="1" u="none" strike="noStrike" dirty="0">
+                <a:solidFill>
+                  <a:srgbClr val="3366CC"/>
+                </a:solidFill>
+                <a:effectLst/>
+                <a:latin typeface="Arial" panose="020B0604020202020204" pitchFamily="34" charset="0"/>
+                <a:hlinkClick r:id="rId4" tooltip="Impeachment de Dilma Rousseff"/>
+              </a:rPr>
+              <a:t>impeachment</a:t>
+            </a:r>
+            <a:r>
+              <a:rPr lang="pt-BR" b="0" i="0" dirty="0">
+                <a:solidFill>
+                  <a:srgbClr val="202122"/>
+                </a:solidFill>
+                <a:effectLst/>
+                <a:latin typeface="Arial" panose="020B0604020202020204" pitchFamily="34" charset="0"/>
+              </a:rPr>
+              <a:t>,</a:t>
+            </a:r>
+            <a:endParaRPr lang="pt-BR" dirty="0"/>
+          </a:p>
+        </p:txBody>
+      </p:sp>
+    </p:spTree>
+    <p:extLst>
+      <p:ext uri="{BB962C8B-B14F-4D97-AF65-F5344CB8AC3E}">
+        <p14:creationId xmlns:p14="http://schemas.microsoft.com/office/powerpoint/2010/main" val="4102692224"/>
       </p:ext>
     </p:extLst>
   </p:cSld>
@@ -1103,25 +1284,99 @@
           <a:lstStyle/>
           <a:p>
             <a:r>
-              <a:rPr lang="pt-BR" b="0" i="0" dirty="0">
-                <a:solidFill>
-                  <a:srgbClr val="202122"/>
-                </a:solidFill>
-                <a:effectLst/>
-                <a:latin typeface="Arial" panose="020B0604020202020204" pitchFamily="34" charset="0"/>
+              <a:rPr lang="pt-BR" sz="1800" dirty="0"/>
+              <a:t>Log retorno do Ibovespa no período de dez dias antes e depois das reuniões onde houveram surpresas;</a:t>
+            </a:r>
+          </a:p>
+          <a:p>
+            <a:r>
+              <a:rPr lang="pt-BR" sz="1800" dirty="0"/>
+              <a:t>cor de Pearson entre o índice Bovespa e a taxa Selic:</a:t>
+            </a:r>
+          </a:p>
+          <a:p>
+            <a:pPr lvl="1"/>
+            <a:r>
+              <a:rPr lang="pt-BR" sz="1800" dirty="0">
+                <a:latin typeface="+mj-lt"/>
+                <a:cs typeface="Arial" panose="020B0604020202020204" pitchFamily="34" charset="0"/>
               </a:rPr>
-              <a:t>dificuldades económicas da Grécia</a:t>
-            </a:r>
-          </a:p>
-          <a:p>
-            <a:endParaRPr lang="pt-BR" dirty="0"/>
+              <a:t>2001 a 2022: Toda a série;</a:t>
+            </a:r>
+          </a:p>
+          <a:p>
+            <a:pPr lvl="1"/>
+            <a:r>
+              <a:rPr lang="pt-BR" sz="1800" dirty="0">
+                <a:latin typeface="+mj-lt"/>
+                <a:cs typeface="Arial" panose="020B0604020202020204" pitchFamily="34" charset="0"/>
+              </a:rPr>
+              <a:t>2004 a 2007: Crise dos </a:t>
+            </a:r>
+            <a:r>
+              <a:rPr lang="pt-BR" sz="1800" dirty="0" err="1">
+                <a:latin typeface="+mj-lt"/>
+                <a:cs typeface="Arial" panose="020B0604020202020204" pitchFamily="34" charset="0"/>
+              </a:rPr>
+              <a:t>subprime</a:t>
+            </a:r>
+            <a:r>
+              <a:rPr lang="pt-BR" sz="1800" dirty="0">
+                <a:latin typeface="+mj-lt"/>
+                <a:cs typeface="Arial" panose="020B0604020202020204" pitchFamily="34" charset="0"/>
+              </a:rPr>
+              <a:t>,</a:t>
+            </a:r>
+          </a:p>
+          <a:p>
+            <a:pPr lvl="1"/>
+            <a:r>
+              <a:rPr lang="pt-BR" sz="1800" dirty="0">
+                <a:latin typeface="+mj-lt"/>
+                <a:cs typeface="Arial" panose="020B0604020202020204" pitchFamily="34" charset="0"/>
+              </a:rPr>
+              <a:t>2008 a 2010: Crise financeira mundial no Brasil;</a:t>
+            </a:r>
+          </a:p>
+          <a:p>
+            <a:pPr lvl="1"/>
+            <a:r>
+              <a:rPr lang="pt-BR" sz="1800" dirty="0">
+                <a:latin typeface="+mj-lt"/>
+                <a:cs typeface="Arial" panose="020B0604020202020204" pitchFamily="34" charset="0"/>
+              </a:rPr>
+              <a:t>2011 a 2012: Crise financeira Europa;</a:t>
+            </a:r>
+          </a:p>
+          <a:p>
+            <a:pPr lvl="1"/>
+            <a:r>
+              <a:rPr lang="pt-BR" sz="1800" dirty="0">
+                <a:latin typeface="+mj-lt"/>
+                <a:cs typeface="Arial" panose="020B0604020202020204" pitchFamily="34" charset="0"/>
+              </a:rPr>
+              <a:t>2013 a 2016: Grande recessão brasileira;</a:t>
+            </a:r>
+          </a:p>
+          <a:p>
+            <a:pPr lvl="1"/>
+            <a:r>
+              <a:rPr lang="pt-BR" sz="1800" dirty="0">
+                <a:latin typeface="+mj-lt"/>
+                <a:cs typeface="Arial" panose="020B0604020202020204" pitchFamily="34" charset="0"/>
+              </a:rPr>
+              <a:t>2017 a 2022: COVID-19, iniciada em 2020.</a:t>
+            </a:r>
+          </a:p>
+          <a:p>
+            <a:endParaRPr lang="en-BR" dirty="0"/>
           </a:p>
         </p:txBody>
       </p:sp>
     </p:spTree>
     <p:extLst>
       <p:ext uri="{BB962C8B-B14F-4D97-AF65-F5344CB8AC3E}">
-        <p14:creationId xmlns:p14="http://schemas.microsoft.com/office/powerpoint/2010/main" val="2825233829"/>
+        <p14:creationId xmlns:p14="http://schemas.microsoft.com/office/powerpoint/2010/main" val="555687597"/>
       </p:ext>
     </p:extLst>
   </p:cSld>
@@ -1180,20 +1435,682 @@
           <a:bodyPr/>
           <a:lstStyle/>
           <a:p>
-            <a:pPr marL="139700" indent="0">
-              <a:buNone/>
-            </a:pPr>
+            <a:endParaRPr lang="en-BR" dirty="0"/>
+          </a:p>
+        </p:txBody>
+      </p:sp>
+    </p:spTree>
+    <p:extLst>
+      <p:ext uri="{BB962C8B-B14F-4D97-AF65-F5344CB8AC3E}">
+        <p14:creationId xmlns:p14="http://schemas.microsoft.com/office/powerpoint/2010/main" val="3270131234"/>
+      </p:ext>
+    </p:extLst>
+  </p:cSld>
+  <p:clrMapOvr>
+    <a:masterClrMapping/>
+  </p:clrMapOvr>
+</p:notes>
+</file>
+
+<file path=ppt/notesSlides/notesSlide4.xml><?xml version="1.0" encoding="utf-8"?>
+<p:notes xmlns:a="http://schemas.openxmlformats.org/drawingml/2006/main" xmlns:r="http://schemas.openxmlformats.org/officeDocument/2006/relationships" xmlns:p="http://schemas.openxmlformats.org/presentationml/2006/main">
+  <p:cSld>
+    <p:spTree>
+      <p:nvGrpSpPr>
+        <p:cNvPr id="1" name=""/>
+        <p:cNvGrpSpPr/>
+        <p:nvPr/>
+      </p:nvGrpSpPr>
+      <p:grpSpPr>
+        <a:xfrm>
+          <a:off x="0" y="0"/>
+          <a:ext cx="0" cy="0"/>
+          <a:chOff x="0" y="0"/>
+          <a:chExt cx="0" cy="0"/>
+        </a:xfrm>
+      </p:grpSpPr>
+      <p:sp>
+        <p:nvSpPr>
+          <p:cNvPr id="2" name="Slide Image Placeholder 1"/>
+          <p:cNvSpPr>
+            <a:spLocks noGrp="1" noRot="1" noChangeAspect="1"/>
+          </p:cNvSpPr>
+          <p:nvPr>
+            <p:ph type="sldImg"/>
+          </p:nvPr>
+        </p:nvSpPr>
+        <p:spPr>
+          <a:xfrm>
+            <a:off x="381000" y="685800"/>
+            <a:ext cx="6096000" cy="3429000"/>
+          </a:xfrm>
+        </p:spPr>
+      </p:sp>
+      <p:sp>
+        <p:nvSpPr>
+          <p:cNvPr id="3" name="Notes Placeholder 2"/>
+          <p:cNvSpPr>
+            <a:spLocks noGrp="1"/>
+          </p:cNvSpPr>
+          <p:nvPr>
+            <p:ph type="body" idx="1"/>
+          </p:nvPr>
+        </p:nvSpPr>
+        <p:spPr/>
+        <p:txBody>
+          <a:bodyPr/>
+          <a:lstStyle/>
+          <a:p>
+            <a:r>
+              <a:rPr lang="pt-BR" dirty="0"/>
+              <a:t>10 setores</a:t>
+            </a:r>
+          </a:p>
+          <a:p>
+            <a:r>
+              <a:rPr lang="pt-BR" dirty="0"/>
+              <a:t>28 subsetores</a:t>
+            </a:r>
+          </a:p>
+          <a:p>
+            <a:r>
+              <a:rPr lang="pt-BR" dirty="0"/>
+              <a:t>36 segmentos</a:t>
+            </a:r>
+          </a:p>
+        </p:txBody>
+      </p:sp>
+    </p:spTree>
+    <p:extLst>
+      <p:ext uri="{BB962C8B-B14F-4D97-AF65-F5344CB8AC3E}">
+        <p14:creationId xmlns:p14="http://schemas.microsoft.com/office/powerpoint/2010/main" val="4135720020"/>
+      </p:ext>
+    </p:extLst>
+  </p:cSld>
+  <p:clrMapOvr>
+    <a:masterClrMapping/>
+  </p:clrMapOvr>
+</p:notes>
+</file>
+
+<file path=ppt/notesSlides/notesSlide5.xml><?xml version="1.0" encoding="utf-8"?>
+<p:notes xmlns:a="http://schemas.openxmlformats.org/drawingml/2006/main" xmlns:r="http://schemas.openxmlformats.org/officeDocument/2006/relationships" xmlns:p="http://schemas.openxmlformats.org/presentationml/2006/main">
+  <p:cSld>
+    <p:spTree>
+      <p:nvGrpSpPr>
+        <p:cNvPr id="1" name=""/>
+        <p:cNvGrpSpPr/>
+        <p:nvPr/>
+      </p:nvGrpSpPr>
+      <p:grpSpPr>
+        <a:xfrm>
+          <a:off x="0" y="0"/>
+          <a:ext cx="0" cy="0"/>
+          <a:chOff x="0" y="0"/>
+          <a:chExt cx="0" cy="0"/>
+        </a:xfrm>
+      </p:grpSpPr>
+      <p:sp>
+        <p:nvSpPr>
+          <p:cNvPr id="2" name="Slide Image Placeholder 1"/>
+          <p:cNvSpPr>
+            <a:spLocks noGrp="1" noRot="1" noChangeAspect="1"/>
+          </p:cNvSpPr>
+          <p:nvPr>
+            <p:ph type="sldImg"/>
+          </p:nvPr>
+        </p:nvSpPr>
+        <p:spPr>
+          <a:xfrm>
+            <a:off x="381000" y="685800"/>
+            <a:ext cx="6096000" cy="3429000"/>
+          </a:xfrm>
+        </p:spPr>
+      </p:sp>
+      <p:sp>
+        <p:nvSpPr>
+          <p:cNvPr id="3" name="Notes Placeholder 2"/>
+          <p:cNvSpPr>
+            <a:spLocks noGrp="1"/>
+          </p:cNvSpPr>
+          <p:nvPr>
+            <p:ph type="body" idx="1"/>
+          </p:nvPr>
+        </p:nvSpPr>
+        <p:spPr/>
+        <p:txBody>
+          <a:bodyPr/>
+          <a:lstStyle/>
+          <a:p>
+            <a:r>
+              <a:rPr lang="en-US" dirty="0"/>
+              <a:t>O </a:t>
+            </a:r>
+            <a:r>
+              <a:rPr lang="en-US" dirty="0" err="1"/>
+              <a:t>preço</a:t>
+            </a:r>
+            <a:r>
+              <a:rPr lang="en-US" dirty="0"/>
+              <a:t> de </a:t>
+            </a:r>
+            <a:r>
+              <a:rPr lang="en-US" dirty="0" err="1"/>
+              <a:t>fechamento</a:t>
+            </a:r>
+            <a:r>
+              <a:rPr lang="en-US" dirty="0"/>
+              <a:t> </a:t>
+            </a:r>
+            <a:r>
+              <a:rPr lang="en-US" dirty="0" err="1"/>
+              <a:t>ajustado</a:t>
+            </a:r>
+            <a:r>
+              <a:rPr lang="en-US" dirty="0"/>
+              <a:t> </a:t>
+            </a:r>
+            <a:r>
+              <a:rPr lang="en-US" dirty="0" err="1"/>
+              <a:t>acontece</a:t>
+            </a:r>
+            <a:r>
+              <a:rPr lang="en-US" dirty="0"/>
+              <a:t> </a:t>
+            </a:r>
+            <a:r>
+              <a:rPr lang="en-US" dirty="0" err="1"/>
+              <a:t>quando</a:t>
+            </a:r>
+            <a:r>
+              <a:rPr lang="en-US" dirty="0"/>
+              <a:t> </a:t>
+            </a:r>
+            <a:r>
+              <a:rPr lang="en-US" dirty="0" err="1"/>
+              <a:t>uma</a:t>
+            </a:r>
+            <a:r>
+              <a:rPr lang="en-US" dirty="0"/>
+              <a:t> </a:t>
+            </a:r>
+            <a:r>
+              <a:rPr lang="en-US" dirty="0" err="1"/>
+              <a:t>ação</a:t>
+            </a:r>
+            <a:r>
+              <a:rPr lang="en-US" dirty="0"/>
+              <a:t>, dentro de </a:t>
+            </a:r>
+            <a:r>
+              <a:rPr lang="en-US" dirty="0" err="1"/>
+              <a:t>qualquer</a:t>
+            </a:r>
+            <a:r>
+              <a:rPr lang="en-US" dirty="0"/>
+              <a:t> </a:t>
+            </a:r>
+            <a:r>
+              <a:rPr lang="en-US" dirty="0" err="1"/>
+              <a:t>dia</a:t>
+            </a:r>
+            <a:r>
+              <a:rPr lang="en-US" dirty="0"/>
+              <a:t> de </a:t>
+            </a:r>
+            <a:r>
+              <a:rPr lang="en-US" dirty="0" err="1"/>
+              <a:t>negociação</a:t>
+            </a:r>
+            <a:r>
+              <a:rPr lang="en-US" dirty="0"/>
+              <a:t>, </a:t>
+            </a:r>
+            <a:r>
+              <a:rPr lang="en-US" dirty="0" err="1"/>
+              <a:t>tem</a:t>
+            </a:r>
+            <a:r>
+              <a:rPr lang="en-US" dirty="0"/>
+              <a:t> o </a:t>
+            </a:r>
+            <a:r>
+              <a:rPr lang="en-US" dirty="0" err="1"/>
+              <a:t>seu</a:t>
+            </a:r>
+            <a:r>
+              <a:rPr lang="en-US" dirty="0"/>
+              <a:t> </a:t>
+            </a:r>
+            <a:r>
+              <a:rPr lang="en-US" dirty="0" err="1"/>
+              <a:t>preço</a:t>
+            </a:r>
+            <a:r>
+              <a:rPr lang="en-US" dirty="0"/>
+              <a:t> </a:t>
+            </a:r>
+            <a:r>
+              <a:rPr lang="en-US" dirty="0" err="1"/>
+              <a:t>alterado</a:t>
+            </a:r>
+            <a:r>
+              <a:rPr lang="en-US" dirty="0"/>
+              <a:t> para </a:t>
+            </a:r>
+            <a:r>
+              <a:rPr lang="en-US" dirty="0" err="1"/>
+              <a:t>incluir</a:t>
+            </a:r>
+            <a:r>
+              <a:rPr lang="en-US" dirty="0"/>
+              <a:t> </a:t>
+            </a:r>
+            <a:r>
+              <a:rPr lang="en-US" dirty="0" err="1"/>
+              <a:t>quaisquer</a:t>
+            </a:r>
+            <a:r>
+              <a:rPr lang="en-US" dirty="0"/>
+              <a:t> </a:t>
+            </a:r>
+            <a:r>
+              <a:rPr lang="en-US" dirty="0" err="1"/>
+              <a:t>distribuições</a:t>
+            </a:r>
+            <a:r>
+              <a:rPr lang="en-US" dirty="0"/>
+              <a:t> de </a:t>
+            </a:r>
+            <a:r>
+              <a:rPr lang="en-US" dirty="0" err="1"/>
+              <a:t>proventos</a:t>
+            </a:r>
+            <a:r>
+              <a:rPr lang="en-US" dirty="0"/>
+              <a:t> e </a:t>
+            </a:r>
+            <a:r>
+              <a:rPr lang="en-US" dirty="0" err="1"/>
+              <a:t>ações</a:t>
+            </a:r>
+            <a:r>
+              <a:rPr lang="en-US" dirty="0"/>
+              <a:t> </a:t>
+            </a:r>
+            <a:r>
+              <a:rPr lang="en-US" dirty="0" err="1"/>
+              <a:t>corporativas</a:t>
+            </a:r>
+            <a:r>
+              <a:rPr lang="en-US" dirty="0"/>
+              <a:t> que </a:t>
+            </a:r>
+            <a:r>
+              <a:rPr lang="en-US" dirty="0" err="1"/>
+              <a:t>ocorreram</a:t>
+            </a:r>
+            <a:r>
+              <a:rPr lang="en-US" dirty="0"/>
+              <a:t> </a:t>
+            </a:r>
+            <a:r>
+              <a:rPr lang="en-US" dirty="0" err="1"/>
+              <a:t>em</a:t>
+            </a:r>
+            <a:r>
+              <a:rPr lang="en-US" dirty="0"/>
+              <a:t> </a:t>
+            </a:r>
+            <a:r>
+              <a:rPr lang="en-US" dirty="0" err="1"/>
+              <a:t>qualquer</a:t>
+            </a:r>
+            <a:r>
+              <a:rPr lang="en-US" dirty="0"/>
+              <a:t> </a:t>
+            </a:r>
+            <a:r>
+              <a:rPr lang="en-US" dirty="0" err="1"/>
+              <a:t>momento</a:t>
+            </a:r>
+            <a:r>
+              <a:rPr lang="en-US" dirty="0"/>
+              <a:t> antes da </a:t>
+            </a:r>
+            <a:r>
+              <a:rPr lang="en-US" dirty="0" err="1"/>
+              <a:t>abertura</a:t>
+            </a:r>
+            <a:r>
+              <a:rPr lang="en-US" dirty="0"/>
+              <a:t> do </a:t>
+            </a:r>
+            <a:r>
+              <a:rPr lang="en-US" dirty="0" err="1"/>
+              <a:t>dia</a:t>
+            </a:r>
+            <a:r>
+              <a:rPr lang="en-US" dirty="0"/>
+              <a:t> </a:t>
+            </a:r>
+            <a:r>
+              <a:rPr lang="en-US" dirty="0" err="1"/>
+              <a:t>seguinte</a:t>
+            </a:r>
+            <a:r>
+              <a:rPr lang="en-US" dirty="0"/>
+              <a:t>.</a:t>
+            </a:r>
+          </a:p>
+          <a:p>
+            <a:endParaRPr lang="en-US" dirty="0"/>
+          </a:p>
+          <a:p>
+            <a:r>
+              <a:rPr lang="en-US" dirty="0" err="1"/>
+              <a:t>Geralmente</a:t>
+            </a:r>
+            <a:r>
+              <a:rPr lang="en-US" dirty="0"/>
+              <a:t> o </a:t>
+            </a:r>
+            <a:r>
+              <a:rPr lang="en-US" dirty="0" err="1"/>
+              <a:t>preço</a:t>
+            </a:r>
+            <a:r>
+              <a:rPr lang="en-US" dirty="0"/>
+              <a:t> de </a:t>
+            </a:r>
+            <a:r>
+              <a:rPr lang="en-US" dirty="0" err="1"/>
+              <a:t>fechamento</a:t>
+            </a:r>
+            <a:r>
+              <a:rPr lang="en-US" dirty="0"/>
+              <a:t> </a:t>
+            </a:r>
+            <a:r>
+              <a:rPr lang="en-US" dirty="0" err="1"/>
+              <a:t>ajustado</a:t>
+            </a:r>
+            <a:r>
+              <a:rPr lang="en-US" dirty="0"/>
+              <a:t> </a:t>
+            </a:r>
+            <a:r>
+              <a:rPr lang="en-US" dirty="0" err="1"/>
+              <a:t>é</a:t>
+            </a:r>
+            <a:r>
+              <a:rPr lang="en-US" dirty="0"/>
+              <a:t> </a:t>
+            </a:r>
+            <a:r>
+              <a:rPr lang="en-US" dirty="0" err="1"/>
+              <a:t>frequentemente</a:t>
+            </a:r>
+            <a:r>
+              <a:rPr lang="en-US" dirty="0"/>
+              <a:t> </a:t>
+            </a:r>
+            <a:r>
+              <a:rPr lang="en-US" dirty="0" err="1"/>
+              <a:t>utilizado</a:t>
+            </a:r>
+            <a:r>
+              <a:rPr lang="en-US" dirty="0"/>
+              <a:t> para se </a:t>
+            </a:r>
+            <a:r>
+              <a:rPr lang="en-US" dirty="0" err="1"/>
+              <a:t>realizar</a:t>
+            </a:r>
+            <a:r>
+              <a:rPr lang="en-US" dirty="0"/>
+              <a:t> </a:t>
+            </a:r>
+            <a:r>
+              <a:rPr lang="en-US" dirty="0" err="1"/>
+              <a:t>uma</a:t>
+            </a:r>
+            <a:r>
+              <a:rPr lang="en-US" dirty="0"/>
+              <a:t> </a:t>
+            </a:r>
+            <a:r>
+              <a:rPr lang="en-US" dirty="0" err="1"/>
+              <a:t>análise</a:t>
+            </a:r>
+            <a:r>
+              <a:rPr lang="en-US" dirty="0"/>
+              <a:t> </a:t>
+            </a:r>
+            <a:r>
+              <a:rPr lang="en-US" dirty="0" err="1"/>
+              <a:t>detalhada</a:t>
+            </a:r>
+            <a:r>
+              <a:rPr lang="en-US" dirty="0"/>
+              <a:t> </a:t>
+            </a:r>
+            <a:r>
+              <a:rPr lang="en-US" dirty="0" err="1"/>
+              <a:t>sobre</a:t>
+            </a:r>
+            <a:r>
+              <a:rPr lang="en-US" dirty="0"/>
+              <a:t> </a:t>
+            </a:r>
+            <a:r>
+              <a:rPr lang="en-US" dirty="0" err="1"/>
+              <a:t>retornos</a:t>
+            </a:r>
+            <a:r>
+              <a:rPr lang="en-US" dirty="0"/>
+              <a:t> </a:t>
+            </a:r>
+            <a:r>
+              <a:rPr lang="en-US" dirty="0" err="1"/>
+              <a:t>históricos</a:t>
+            </a:r>
+            <a:r>
+              <a:rPr lang="en-US" dirty="0"/>
+              <a:t> de </a:t>
+            </a:r>
+            <a:r>
+              <a:rPr lang="en-US" dirty="0" err="1"/>
+              <a:t>uma</a:t>
+            </a:r>
+            <a:r>
+              <a:rPr lang="en-US" dirty="0"/>
+              <a:t> </a:t>
+            </a:r>
+            <a:r>
+              <a:rPr lang="en-US" dirty="0" err="1"/>
+              <a:t>ação</a:t>
+            </a:r>
+            <a:r>
+              <a:rPr lang="en-US" dirty="0"/>
+              <a:t> </a:t>
+            </a:r>
+            <a:r>
+              <a:rPr lang="en-US" dirty="0" err="1"/>
+              <a:t>negociada</a:t>
+            </a:r>
+            <a:r>
+              <a:rPr lang="en-US" dirty="0"/>
+              <a:t> </a:t>
+            </a:r>
+            <a:r>
+              <a:rPr lang="en-US" dirty="0" err="1"/>
+              <a:t>em</a:t>
+            </a:r>
+            <a:r>
+              <a:rPr lang="en-US" dirty="0"/>
+              <a:t> </a:t>
+            </a:r>
+            <a:r>
+              <a:rPr lang="en-US" dirty="0" err="1"/>
+              <a:t>bolsa</a:t>
+            </a:r>
+            <a:r>
+              <a:rPr lang="en-US" dirty="0"/>
+              <a:t> de </a:t>
+            </a:r>
+            <a:r>
+              <a:rPr lang="en-US" dirty="0" err="1"/>
+              <a:t>valores</a:t>
+            </a:r>
+            <a:r>
+              <a:rPr lang="en-US" dirty="0"/>
+              <a:t>.</a:t>
+            </a:r>
+            <a:endParaRPr lang="en-BR" dirty="0"/>
+          </a:p>
+          <a:p>
+            <a:endParaRPr lang="en-BR" dirty="0"/>
+          </a:p>
+        </p:txBody>
+      </p:sp>
+    </p:spTree>
+    <p:extLst>
+      <p:ext uri="{BB962C8B-B14F-4D97-AF65-F5344CB8AC3E}">
+        <p14:creationId xmlns:p14="http://schemas.microsoft.com/office/powerpoint/2010/main" val="2296667692"/>
+      </p:ext>
+    </p:extLst>
+  </p:cSld>
+  <p:clrMapOvr>
+    <a:masterClrMapping/>
+  </p:clrMapOvr>
+</p:notes>
+</file>
+
+<file path=ppt/notesSlides/notesSlide6.xml><?xml version="1.0" encoding="utf-8"?>
+<p:notes xmlns:a="http://schemas.openxmlformats.org/drawingml/2006/main" xmlns:r="http://schemas.openxmlformats.org/officeDocument/2006/relationships" xmlns:p="http://schemas.openxmlformats.org/presentationml/2006/main">
+  <p:cSld>
+    <p:spTree>
+      <p:nvGrpSpPr>
+        <p:cNvPr id="1" name=""/>
+        <p:cNvGrpSpPr/>
+        <p:nvPr/>
+      </p:nvGrpSpPr>
+      <p:grpSpPr>
+        <a:xfrm>
+          <a:off x="0" y="0"/>
+          <a:ext cx="0" cy="0"/>
+          <a:chOff x="0" y="0"/>
+          <a:chExt cx="0" cy="0"/>
+        </a:xfrm>
+      </p:grpSpPr>
+      <p:sp>
+        <p:nvSpPr>
+          <p:cNvPr id="2" name="Slide Image Placeholder 1"/>
+          <p:cNvSpPr>
+            <a:spLocks noGrp="1" noRot="1" noChangeAspect="1"/>
+          </p:cNvSpPr>
+          <p:nvPr>
+            <p:ph type="sldImg"/>
+          </p:nvPr>
+        </p:nvSpPr>
+        <p:spPr>
+          <a:xfrm>
+            <a:off x="381000" y="685800"/>
+            <a:ext cx="6096000" cy="3429000"/>
+          </a:xfrm>
+        </p:spPr>
+      </p:sp>
+      <p:sp>
+        <p:nvSpPr>
+          <p:cNvPr id="3" name="Notes Placeholder 2"/>
+          <p:cNvSpPr>
+            <a:spLocks noGrp="1"/>
+          </p:cNvSpPr>
+          <p:nvPr>
+            <p:ph type="body" idx="1"/>
+          </p:nvPr>
+        </p:nvSpPr>
+        <p:spPr/>
+        <p:txBody>
+          <a:bodyPr/>
+          <a:lstStyle/>
+          <a:p>
             <a:r>
               <a:rPr lang="pt-BR" b="0" i="0" dirty="0">
                 <a:solidFill>
-                  <a:srgbClr val="403D39"/>
+                  <a:srgbClr val="333333"/>
                 </a:solidFill>
                 <a:effectLst/>
                 <a:latin typeface="Arial" panose="020B0604020202020204" pitchFamily="34" charset="0"/>
               </a:rPr>
-              <a:t>Mais profunda e duradoura queda do nível de atividade econômica desde o término da Segunda Guerra Mundial</a:t>
-            </a:r>
-          </a:p>
+              <a:t>120 bancos, gestores de recursos e demais instituições (empresas do setor real, distribuidoras, corretoras, consultorias e outras).</a:t>
+            </a:r>
+            <a:endParaRPr lang="pt-BR" dirty="0"/>
+          </a:p>
+        </p:txBody>
+      </p:sp>
+    </p:spTree>
+    <p:extLst>
+      <p:ext uri="{BB962C8B-B14F-4D97-AF65-F5344CB8AC3E}">
+        <p14:creationId xmlns:p14="http://schemas.microsoft.com/office/powerpoint/2010/main" val="3965114927"/>
+      </p:ext>
+    </p:extLst>
+  </p:cSld>
+  <p:clrMapOvr>
+    <a:masterClrMapping/>
+  </p:clrMapOvr>
+</p:notes>
+</file>
+
+<file path=ppt/notesSlides/notesSlide7.xml><?xml version="1.0" encoding="utf-8"?>
+<p:notes xmlns:a="http://schemas.openxmlformats.org/drawingml/2006/main" xmlns:r="http://schemas.openxmlformats.org/officeDocument/2006/relationships" xmlns:p="http://schemas.openxmlformats.org/presentationml/2006/main">
+  <p:cSld>
+    <p:spTree>
+      <p:nvGrpSpPr>
+        <p:cNvPr id="1" name=""/>
+        <p:cNvGrpSpPr/>
+        <p:nvPr/>
+      </p:nvGrpSpPr>
+      <p:grpSpPr>
+        <a:xfrm>
+          <a:off x="0" y="0"/>
+          <a:ext cx="0" cy="0"/>
+          <a:chOff x="0" y="0"/>
+          <a:chExt cx="0" cy="0"/>
+        </a:xfrm>
+      </p:grpSpPr>
+      <p:sp>
+        <p:nvSpPr>
+          <p:cNvPr id="2" name="Slide Image Placeholder 1"/>
+          <p:cNvSpPr>
+            <a:spLocks noGrp="1" noRot="1" noChangeAspect="1"/>
+          </p:cNvSpPr>
+          <p:nvPr>
+            <p:ph type="sldImg"/>
+          </p:nvPr>
+        </p:nvSpPr>
+        <p:spPr>
+          <a:xfrm>
+            <a:off x="381000" y="685800"/>
+            <a:ext cx="6096000" cy="3429000"/>
+          </a:xfrm>
+        </p:spPr>
+      </p:sp>
+      <p:sp>
+        <p:nvSpPr>
+          <p:cNvPr id="3" name="Notes Placeholder 2"/>
+          <p:cNvSpPr>
+            <a:spLocks noGrp="1"/>
+          </p:cNvSpPr>
+          <p:nvPr>
+            <p:ph type="body" idx="1"/>
+          </p:nvPr>
+        </p:nvSpPr>
+        <p:spPr/>
+        <p:txBody>
+          <a:bodyPr/>
+          <a:lstStyle/>
           <a:p>
             <a:pPr marL="139700" indent="0">
               <a:buNone/>
@@ -1201,31 +2118,227 @@
             <a:r>
               <a:rPr lang="pt-BR" b="0" i="0" dirty="0">
                 <a:solidFill>
-                  <a:srgbClr val="403D39"/>
+                  <a:srgbClr val="4B4B4B"/>
                 </a:solidFill>
                 <a:effectLst/>
                 <a:latin typeface="Arial" panose="020B0604020202020204" pitchFamily="34" charset="0"/>
               </a:rPr>
-              <a:t>Dilma </a:t>
-            </a:r>
-            <a:r>
-              <a:rPr lang="pt-BR" b="0" i="0" dirty="0" err="1">
+              <a:t>O auge da </a:t>
+            </a:r>
+            <a:r>
+              <a:rPr lang="pt-BR" b="1" i="0" dirty="0">
                 <a:solidFill>
-                  <a:srgbClr val="403D39"/>
+                  <a:srgbClr val="212121"/>
                 </a:solidFill>
                 <a:effectLst/>
                 <a:latin typeface="Arial" panose="020B0604020202020204" pitchFamily="34" charset="0"/>
               </a:rPr>
-              <a:t>Russef</a:t>
-            </a:r>
-            <a:endParaRPr lang="pt-BR" b="0" i="0" dirty="0">
-              <a:solidFill>
-                <a:srgbClr val="403D39"/>
-              </a:solidFill>
-              <a:effectLst/>
-              <a:latin typeface="Arial" panose="020B0604020202020204" pitchFamily="34" charset="0"/>
-            </a:endParaRPr>
-          </a:p>
+              <a:t>crise do </a:t>
+            </a:r>
+            <a:r>
+              <a:rPr lang="pt-BR" b="1" i="0" dirty="0" err="1">
+                <a:solidFill>
+                  <a:srgbClr val="212121"/>
+                </a:solidFill>
+                <a:effectLst/>
+                <a:latin typeface="Arial" panose="020B0604020202020204" pitchFamily="34" charset="0"/>
+              </a:rPr>
+              <a:t>subprime</a:t>
+            </a:r>
+            <a:r>
+              <a:rPr lang="pt-BR" b="0" i="0" dirty="0">
+                <a:solidFill>
+                  <a:srgbClr val="4B4B4B"/>
+                </a:solidFill>
+                <a:effectLst/>
+                <a:latin typeface="Arial" panose="020B0604020202020204" pitchFamily="34" charset="0"/>
+              </a:rPr>
+              <a:t> foi deflagrado com a quebra de um dos bancos de investimentos mais tradicional dos EUA, o </a:t>
+            </a:r>
+            <a:r>
+              <a:rPr lang="pt-BR" b="1" i="0" dirty="0">
+                <a:solidFill>
+                  <a:srgbClr val="212121"/>
+                </a:solidFill>
+                <a:effectLst/>
+                <a:latin typeface="Arial" panose="020B0604020202020204" pitchFamily="34" charset="0"/>
+              </a:rPr>
+              <a:t>Lehman Brothers</a:t>
+            </a:r>
+            <a:r>
+              <a:rPr lang="pt-BR" b="0" i="0" dirty="0">
+                <a:solidFill>
+                  <a:srgbClr val="4B4B4B"/>
+                </a:solidFill>
+                <a:effectLst/>
+                <a:latin typeface="Arial" panose="020B0604020202020204" pitchFamily="34" charset="0"/>
+              </a:rPr>
+              <a:t>, desencadeando uma crise nas bolsas do mundo todo.</a:t>
+            </a:r>
+            <a:endParaRPr lang="pt-BR" dirty="0"/>
+          </a:p>
+        </p:txBody>
+      </p:sp>
+    </p:spTree>
+    <p:extLst>
+      <p:ext uri="{BB962C8B-B14F-4D97-AF65-F5344CB8AC3E}">
+        <p14:creationId xmlns:p14="http://schemas.microsoft.com/office/powerpoint/2010/main" val="461956233"/>
+      </p:ext>
+    </p:extLst>
+  </p:cSld>
+  <p:clrMapOvr>
+    <a:masterClrMapping/>
+  </p:clrMapOvr>
+</p:notes>
+</file>
+
+<file path=ppt/notesSlides/notesSlide8.xml><?xml version="1.0" encoding="utf-8"?>
+<p:notes xmlns:a="http://schemas.openxmlformats.org/drawingml/2006/main" xmlns:r="http://schemas.openxmlformats.org/officeDocument/2006/relationships" xmlns:p="http://schemas.openxmlformats.org/presentationml/2006/main">
+  <p:cSld>
+    <p:spTree>
+      <p:nvGrpSpPr>
+        <p:cNvPr id="1" name=""/>
+        <p:cNvGrpSpPr/>
+        <p:nvPr/>
+      </p:nvGrpSpPr>
+      <p:grpSpPr>
+        <a:xfrm>
+          <a:off x="0" y="0"/>
+          <a:ext cx="0" cy="0"/>
+          <a:chOff x="0" y="0"/>
+          <a:chExt cx="0" cy="0"/>
+        </a:xfrm>
+      </p:grpSpPr>
+      <p:sp>
+        <p:nvSpPr>
+          <p:cNvPr id="2" name="Slide Image Placeholder 1"/>
+          <p:cNvSpPr>
+            <a:spLocks noGrp="1" noRot="1" noChangeAspect="1"/>
+          </p:cNvSpPr>
+          <p:nvPr>
+            <p:ph type="sldImg"/>
+          </p:nvPr>
+        </p:nvSpPr>
+        <p:spPr>
+          <a:xfrm>
+            <a:off x="381000" y="685800"/>
+            <a:ext cx="6096000" cy="3429000"/>
+          </a:xfrm>
+        </p:spPr>
+      </p:sp>
+      <p:sp>
+        <p:nvSpPr>
+          <p:cNvPr id="3" name="Notes Placeholder 2"/>
+          <p:cNvSpPr>
+            <a:spLocks noGrp="1"/>
+          </p:cNvSpPr>
+          <p:nvPr>
+            <p:ph type="body" idx="1"/>
+          </p:nvPr>
+        </p:nvSpPr>
+        <p:spPr/>
+        <p:txBody>
+          <a:bodyPr/>
+          <a:lstStyle/>
+          <a:p>
+            <a:pPr marL="139700" indent="0">
+              <a:buNone/>
+            </a:pPr>
+            <a:r>
+              <a:rPr lang="pt-BR" b="0" i="0" dirty="0">
+                <a:solidFill>
+                  <a:srgbClr val="000000"/>
+                </a:solidFill>
+                <a:effectLst/>
+                <a:latin typeface="Arial" panose="020B0604020202020204" pitchFamily="34" charset="0"/>
+              </a:rPr>
+              <a:t>Após a quebra do tradicional banco americano e a recusa do governo norte-americano de salvá-lo – ao colocar dinheiro público no Banco que era privado – as bolsas ao redor do mundo entraram em colapso, pois os investidores passaram a resgatar suas aplicações, diminuindo a </a:t>
+            </a:r>
+            <a:r>
+              <a:rPr lang="pt-BR" b="1" i="0" dirty="0">
+                <a:solidFill>
+                  <a:srgbClr val="000000"/>
+                </a:solidFill>
+                <a:effectLst/>
+                <a:latin typeface="Arial" panose="020B0604020202020204" pitchFamily="34" charset="0"/>
+              </a:rPr>
+              <a:t>liquidez </a:t>
+            </a:r>
+            <a:r>
+              <a:rPr lang="pt-BR" b="0" i="0" dirty="0">
+                <a:solidFill>
+                  <a:srgbClr val="000000"/>
+                </a:solidFill>
+                <a:effectLst/>
+                <a:latin typeface="Arial" panose="020B0604020202020204" pitchFamily="34" charset="0"/>
+              </a:rPr>
+              <a:t>no mercado.</a:t>
+            </a:r>
+            <a:endParaRPr lang="pt-BR" dirty="0"/>
+          </a:p>
+        </p:txBody>
+      </p:sp>
+    </p:spTree>
+    <p:extLst>
+      <p:ext uri="{BB962C8B-B14F-4D97-AF65-F5344CB8AC3E}">
+        <p14:creationId xmlns:p14="http://schemas.microsoft.com/office/powerpoint/2010/main" val="1306787203"/>
+      </p:ext>
+    </p:extLst>
+  </p:cSld>
+  <p:clrMapOvr>
+    <a:masterClrMapping/>
+  </p:clrMapOvr>
+</p:notes>
+</file>
+
+<file path=ppt/notesSlides/notesSlide9.xml><?xml version="1.0" encoding="utf-8"?>
+<p:notes xmlns:a="http://schemas.openxmlformats.org/drawingml/2006/main" xmlns:r="http://schemas.openxmlformats.org/officeDocument/2006/relationships" xmlns:p="http://schemas.openxmlformats.org/presentationml/2006/main">
+  <p:cSld>
+    <p:spTree>
+      <p:nvGrpSpPr>
+        <p:cNvPr id="1" name=""/>
+        <p:cNvGrpSpPr/>
+        <p:nvPr/>
+      </p:nvGrpSpPr>
+      <p:grpSpPr>
+        <a:xfrm>
+          <a:off x="0" y="0"/>
+          <a:ext cx="0" cy="0"/>
+          <a:chOff x="0" y="0"/>
+          <a:chExt cx="0" cy="0"/>
+        </a:xfrm>
+      </p:grpSpPr>
+      <p:sp>
+        <p:nvSpPr>
+          <p:cNvPr id="2" name="Slide Image Placeholder 1"/>
+          <p:cNvSpPr>
+            <a:spLocks noGrp="1" noRot="1" noChangeAspect="1"/>
+          </p:cNvSpPr>
+          <p:nvPr>
+            <p:ph type="sldImg"/>
+          </p:nvPr>
+        </p:nvSpPr>
+        <p:spPr>
+          <a:xfrm>
+            <a:off x="381000" y="685800"/>
+            <a:ext cx="6096000" cy="3429000"/>
+          </a:xfrm>
+        </p:spPr>
+      </p:sp>
+      <p:sp>
+        <p:nvSpPr>
+          <p:cNvPr id="3" name="Notes Placeholder 2"/>
+          <p:cNvSpPr>
+            <a:spLocks noGrp="1"/>
+          </p:cNvSpPr>
+          <p:nvPr>
+            <p:ph type="body" idx="1"/>
+          </p:nvPr>
+        </p:nvSpPr>
+        <p:spPr/>
+        <p:txBody>
+          <a:bodyPr/>
+          <a:lstStyle/>
           <a:p>
             <a:pPr marL="139700" indent="0">
               <a:buNone/>
@@ -1238,7 +2351,7 @@
                 <a:effectLst/>
                 <a:latin typeface="Arial" panose="020B0604020202020204" pitchFamily="34" charset="0"/>
               </a:rPr>
-              <a:t>A crise se agravou em março do ano seguinte com os escândalos de corrupção investigados pela </a:t>
+              <a:t>A partir do final de 2009, o receio de uma </a:t>
             </a:r>
             <a:r>
               <a:rPr lang="pt-BR" b="0" i="0" u="none" strike="noStrike" dirty="0">
@@ -1247,22 +2360,10 @@
                 </a:solidFill>
                 <a:effectLst/>
                 <a:latin typeface="Arial" panose="020B0604020202020204" pitchFamily="34" charset="0"/>
-                <a:hlinkClick r:id="rId3" tooltip="Operação Lava Jato"/>
+                <a:hlinkClick r:id="rId3" tooltip="Moratória"/>
               </a:rPr>
-              <a:t>Operação Lava Jato</a:t>
-            </a:r>
-            <a:endParaRPr lang="pt-BR" b="0" i="0" u="none" strike="noStrike" dirty="0">
-              <a:solidFill>
-                <a:srgbClr val="3366CC"/>
-              </a:solidFill>
-              <a:effectLst/>
-              <a:latin typeface="Arial" panose="020B0604020202020204" pitchFamily="34" charset="0"/>
-            </a:endParaRPr>
-          </a:p>
-          <a:p>
-            <a:pPr marL="139700" indent="0">
-              <a:buNone/>
-            </a:pPr>
+              <a:t>crise</a:t>
+            </a:r>
             <a:r>
               <a:rPr lang="pt-BR" b="0" i="0" dirty="0">
                 <a:solidFill>
@@ -1271,7 +2372,7 @@
                 <a:effectLst/>
                 <a:latin typeface="Arial" panose="020B0604020202020204" pitchFamily="34" charset="0"/>
               </a:rPr>
-              <a:t>31-Ago-2016, Dilma foi afastada do cargo por um </a:t>
+              <a:t> de </a:t>
             </a:r>
             <a:r>
               <a:rPr lang="pt-BR" b="0" i="0" u="none" strike="noStrike" dirty="0">
@@ -1280,20 +2381,9 @@
                 </a:solidFill>
                 <a:effectLst/>
                 <a:latin typeface="Arial" panose="020B0604020202020204" pitchFamily="34" charset="0"/>
-                <a:hlinkClick r:id="rId4" tooltip="Impeachment de Dilma Rousseff"/>
+                <a:hlinkClick r:id="rId4" tooltip="Dívida pública"/>
               </a:rPr>
-              <a:t>processo de </a:t>
-            </a:r>
-            <a:r>
-              <a:rPr lang="pt-BR" b="0" i="1" u="none" strike="noStrike" dirty="0">
-                <a:solidFill>
-                  <a:srgbClr val="3366CC"/>
-                </a:solidFill>
-                <a:effectLst/>
-                <a:latin typeface="Arial" panose="020B0604020202020204" pitchFamily="34" charset="0"/>
-                <a:hlinkClick r:id="rId4" tooltip="Impeachment de Dilma Rousseff"/>
-              </a:rPr>
-              <a:t>impeachment</a:t>
+              <a:t>dívida pública</a:t>
             </a:r>
             <a:r>
               <a:rPr lang="pt-BR" b="0" i="0" dirty="0">
@@ -1303,7 +2393,148 @@
                 <a:effectLst/>
                 <a:latin typeface="Arial" panose="020B0604020202020204" pitchFamily="34" charset="0"/>
               </a:rPr>
-              <a:t>,</a:t>
+              <a:t> desenvolveu-se entre os investidores, como resultado do aumento dos níveis de </a:t>
+            </a:r>
+            <a:r>
+              <a:rPr lang="pt-BR" b="0" i="0" u="none" strike="noStrike" dirty="0">
+                <a:solidFill>
+                  <a:srgbClr val="3366CC"/>
+                </a:solidFill>
+                <a:effectLst/>
+                <a:latin typeface="Arial" panose="020B0604020202020204" pitchFamily="34" charset="0"/>
+                <a:hlinkClick r:id="rId5" tooltip="Lista de países por dívida pública"/>
+              </a:rPr>
+              <a:t>endividamento do governo e entidades privadas</a:t>
+            </a:r>
+            <a:r>
+              <a:rPr lang="pt-BR" b="0" i="0" dirty="0">
+                <a:solidFill>
+                  <a:srgbClr val="202122"/>
+                </a:solidFill>
+                <a:effectLst/>
+                <a:latin typeface="Arial" panose="020B0604020202020204" pitchFamily="34" charset="0"/>
+              </a:rPr>
+              <a:t> em alguns </a:t>
+            </a:r>
+            <a:r>
+              <a:rPr lang="pt-BR" b="0" i="0" u="none" strike="noStrike" dirty="0">
+                <a:solidFill>
+                  <a:srgbClr val="3366CC"/>
+                </a:solidFill>
+                <a:effectLst/>
+                <a:latin typeface="Arial" panose="020B0604020202020204" pitchFamily="34" charset="0"/>
+                <a:hlinkClick r:id="rId6" tooltip="Estado europeu"/>
+              </a:rPr>
+              <a:t>estados europeus</a:t>
+            </a:r>
+            <a:r>
+              <a:rPr lang="pt-BR" b="0" i="0" dirty="0">
+                <a:solidFill>
+                  <a:srgbClr val="202122"/>
+                </a:solidFill>
+                <a:effectLst/>
+                <a:latin typeface="Arial" panose="020B0604020202020204" pitchFamily="34" charset="0"/>
+              </a:rPr>
+              <a:t>. As causas da crise variaram de país para país. Em alguns países, as dívidas privadas decorrentes da </a:t>
+            </a:r>
+            <a:r>
+              <a:rPr lang="pt-BR" b="0" i="0" u="none" strike="noStrike" dirty="0">
+                <a:solidFill>
+                  <a:srgbClr val="3366CC"/>
+                </a:solidFill>
+                <a:effectLst/>
+                <a:latin typeface="Arial" panose="020B0604020202020204" pitchFamily="34" charset="0"/>
+                <a:hlinkClick r:id="rId7" tooltip="Bolha especulativa"/>
+              </a:rPr>
+              <a:t>bolha especulativa</a:t>
+            </a:r>
+            <a:r>
+              <a:rPr lang="pt-BR" b="0" i="0" dirty="0">
+                <a:solidFill>
+                  <a:srgbClr val="202122"/>
+                </a:solidFill>
+                <a:effectLst/>
+                <a:latin typeface="Arial" panose="020B0604020202020204" pitchFamily="34" charset="0"/>
+              </a:rPr>
+              <a:t> imobiliária, foram transferidas para a dívida pública como resultado de </a:t>
+            </a:r>
+            <a:r>
+              <a:rPr lang="pt-BR" b="0" i="0" u="none" strike="noStrike" dirty="0">
+                <a:solidFill>
+                  <a:srgbClr val="3366CC"/>
+                </a:solidFill>
+                <a:effectLst/>
+                <a:latin typeface="Arial" panose="020B0604020202020204" pitchFamily="34" charset="0"/>
+                <a:hlinkClick r:id="rId8" tooltip="Bailout"/>
+              </a:rPr>
+              <a:t>resgates</a:t>
+            </a:r>
+            <a:r>
+              <a:rPr lang="pt-BR" b="0" i="0" dirty="0">
+                <a:solidFill>
+                  <a:srgbClr val="202122"/>
+                </a:solidFill>
+                <a:effectLst/>
+                <a:latin typeface="Arial" panose="020B0604020202020204" pitchFamily="34" charset="0"/>
+              </a:rPr>
+              <a:t> do sistema bancário e respostas governamentais à desaceleração das economias no período pós-bolha. Na Grécia, os insustentáveis compromissos salariais do setor público e de pensões impulsionaram o aumento da dívida.</a:t>
+            </a:r>
+          </a:p>
+          <a:p>
+            <a:pPr marL="139700" indent="0">
+              <a:buNone/>
+            </a:pPr>
+            <a:r>
+              <a:rPr lang="pt-BR" b="0" i="0" dirty="0">
+                <a:solidFill>
+                  <a:srgbClr val="202122"/>
+                </a:solidFill>
+                <a:effectLst/>
+                <a:latin typeface="Arial" panose="020B0604020202020204" pitchFamily="34" charset="0"/>
+              </a:rPr>
+              <a:t>A estrutura da Zona Euro enquanto </a:t>
+            </a:r>
+            <a:r>
+              <a:rPr lang="pt-BR" b="0" i="0" u="none" strike="noStrike" dirty="0">
+                <a:solidFill>
+                  <a:srgbClr val="3366CC"/>
+                </a:solidFill>
+                <a:effectLst/>
+                <a:latin typeface="Arial" panose="020B0604020202020204" pitchFamily="34" charset="0"/>
+                <a:hlinkClick r:id="rId9" tooltip="União monetária"/>
+              </a:rPr>
+              <a:t>união monetária</a:t>
+            </a:r>
+            <a:r>
+              <a:rPr lang="pt-BR" b="0" i="0" dirty="0">
+                <a:solidFill>
+                  <a:srgbClr val="202122"/>
+                </a:solidFill>
+                <a:effectLst/>
+                <a:latin typeface="Arial" panose="020B0604020202020204" pitchFamily="34" charset="0"/>
+              </a:rPr>
+              <a:t> (i.e. uma única moeda) sem </a:t>
+            </a:r>
+            <a:r>
+              <a:rPr lang="pt-BR" b="0" i="0" u="none" strike="noStrike" dirty="0">
+                <a:solidFill>
+                  <a:srgbClr val="3366CC"/>
+                </a:solidFill>
+                <a:effectLst/>
+                <a:latin typeface="Arial" panose="020B0604020202020204" pitchFamily="34" charset="0"/>
+                <a:hlinkClick r:id="rId10" tooltip="União fiscal"/>
+              </a:rPr>
+              <a:t>união fiscal</a:t>
+            </a:r>
+            <a:r>
+              <a:rPr lang="pt-BR" b="0" i="0" dirty="0">
+                <a:solidFill>
+                  <a:srgbClr val="202122"/>
+                </a:solidFill>
+                <a:effectLst/>
+                <a:latin typeface="Arial" panose="020B0604020202020204" pitchFamily="34" charset="0"/>
+              </a:rPr>
+              <a:t> (i.e. impostos e regras de pensões públicas diferentes) contribuiu para a crise e limitou a capacidade dos líderes europeus para encontrar respostas</a:t>
             </a:r>
             <a:endParaRPr lang="pt-BR" dirty="0"/>
           </a:p>
@@ -1312,7 +2543,7 @@
     </p:spTree>
     <p:extLst>
       <p:ext uri="{BB962C8B-B14F-4D97-AF65-F5344CB8AC3E}">
-        <p14:creationId xmlns:p14="http://schemas.microsoft.com/office/powerpoint/2010/main" val="4102692224"/>
+        <p14:creationId xmlns:p14="http://schemas.microsoft.com/office/powerpoint/2010/main" val="2825233829"/>
       </p:ext>
     </p:extLst>
   </p:cSld>
@@ -1374,6 +2605,7 @@
               <a:buNone/>
               <a:defRPr sz="4800">
                 <a:latin typeface="+mj-lt"/>
+                <a:cs typeface="Arial" panose="020B0604020202020204" pitchFamily="34" charset="0"/>
               </a:defRPr>
             </a:lvl1pPr>
             <a:lvl2pPr lvl="1" algn="ctr" rtl="0">
@@ -1896,6 +3128,7 @@
                   <a:schemeClr val="lt1"/>
                 </a:solidFill>
                 <a:latin typeface="+mj-lt"/>
+                <a:cs typeface="Arial" panose="020B0604020202020204" pitchFamily="34" charset="0"/>
               </a:defRPr>
             </a:lvl1pPr>
             <a:lvl2pPr lvl="1" algn="ctr" rtl="0">
@@ -2095,6 +3328,7 @@
                   <a:schemeClr val="lt1"/>
                 </a:solidFill>
                 <a:latin typeface="+mj-lt"/>
+                <a:cs typeface="Arial" panose="020B0604020202020204" pitchFamily="34" charset="0"/>
               </a:defRPr>
             </a:lvl1pPr>
             <a:lvl2pPr lvl="1" algn="ctr" rtl="0">
@@ -3025,6 +4259,7 @@
               <a:buNone/>
               <a:defRPr>
                 <a:latin typeface="+mj-lt"/>
+                <a:cs typeface="Arial" panose="020B0604020202020204" pitchFamily="34" charset="0"/>
               </a:defRPr>
             </a:lvl1pPr>
             <a:lvl2pPr lvl="1" rtl="0">
@@ -3117,7 +4352,7 @@
             </a:lvl9pPr>
           </a:lstStyle>
           <a:p>
-            <a:endParaRPr/>
+            <a:endParaRPr dirty="0"/>
           </a:p>
         </p:txBody>
       </p:sp>
@@ -3156,6 +4391,7 @@
               <a:buChar char="▹"/>
               <a:defRPr>
                 <a:latin typeface="+mj-lt"/>
+                <a:cs typeface="Arial" panose="020B0604020202020204" pitchFamily="34" charset="0"/>
               </a:defRPr>
             </a:lvl1pPr>
             <a:lvl2pPr marL="914400" lvl="1" indent="-381000" rtl="0">
@@ -3488,6 +4724,7 @@
               <a:buNone/>
               <a:defRPr>
                 <a:latin typeface="+mj-lt"/>
+                <a:cs typeface="Arial" panose="020B0604020202020204" pitchFamily="34" charset="0"/>
               </a:defRPr>
             </a:lvl1pPr>
             <a:lvl2pPr lvl="1" rtl="0">
@@ -3580,7 +4817,7 @@
             </a:lvl9pPr>
           </a:lstStyle>
           <a:p>
-            <a:endParaRPr/>
+            <a:endParaRPr dirty="0"/>
           </a:p>
         </p:txBody>
       </p:sp>
@@ -3619,6 +4856,7 @@
               <a:buChar char="▹"/>
               <a:defRPr sz="2000">
                 <a:latin typeface="+mj-lt"/>
+                <a:cs typeface="Arial" panose="020B0604020202020204" pitchFamily="34" charset="0"/>
               </a:defRPr>
             </a:lvl1pPr>
             <a:lvl2pPr marL="914400" lvl="1" indent="-355600" rtl="0">
@@ -3711,7 +4949,7 @@
             </a:lvl9pPr>
           </a:lstStyle>
           <a:p>
-            <a:endParaRPr/>
+            <a:endParaRPr dirty="0"/>
           </a:p>
         </p:txBody>
       </p:sp>
@@ -3750,6 +4988,7 @@
               <a:buChar char="▹"/>
               <a:defRPr sz="2000">
                 <a:latin typeface="+mj-lt"/>
+                <a:cs typeface="Arial" panose="020B0604020202020204" pitchFamily="34" charset="0"/>
               </a:defRPr>
             </a:lvl1pPr>
             <a:lvl2pPr marL="914400" lvl="1" indent="-355600" rtl="0">
@@ -3842,7 +5081,7 @@
             </a:lvl9pPr>
           </a:lstStyle>
           <a:p>
-            <a:endParaRPr/>
+            <a:endParaRPr dirty="0"/>
           </a:p>
         </p:txBody>
       </p:sp>
@@ -4389,7 +5628,7 @@
             </a:lvl9pPr>
           </a:lstStyle>
           <a:p>
-            <a:endParaRPr/>
+            <a:endParaRPr dirty="0"/>
           </a:p>
         </p:txBody>
       </p:sp>
@@ -4696,8 +5935,8 @@
                   <a:schemeClr val="dk1"/>
                 </a:solidFill>
                 <a:latin typeface="+mj-lt"/>
-                <a:ea typeface="Catamaran"/>
-                <a:cs typeface="Catamaran"/>
+                <a:ea typeface="Arial" panose="020B0604020202020204" pitchFamily="34" charset="0"/>
+                <a:cs typeface="Arial" panose="020B0604020202020204" pitchFamily="34" charset="0"/>
                 <a:sym typeface="Catamaran"/>
               </a:defRPr>
             </a:lvl1pPr>
@@ -4804,7 +6043,7 @@
               <a:pPr/>
               <a:t>‹#›</a:t>
             </a:fld>
-            <a:endParaRPr lang="en"/>
+            <a:endParaRPr lang="en" dirty="0"/>
           </a:p>
         </p:txBody>
       </p:sp>
@@ -4885,9 +6124,9 @@
           <a:solidFill>
             <a:srgbClr val="000000"/>
           </a:solidFill>
-          <a:latin typeface="+mj-lt"/>
-          <a:ea typeface="Arial"/>
-          <a:cs typeface="Arial"/>
+          <a:latin typeface="Arial" panose="020B0604020202020204" pitchFamily="34" charset="0"/>
+          <a:ea typeface="Arial" panose="020B0604020202020204" pitchFamily="34" charset="0"/>
+          <a:cs typeface="Arial" panose="020B0604020202020204" pitchFamily="34" charset="0"/>
           <a:sym typeface="Arial"/>
         </a:defRPr>
       </a:lvl1pPr>
@@ -5114,9 +6353,9 @@
           <a:solidFill>
             <a:srgbClr val="000000"/>
           </a:solidFill>
-          <a:latin typeface="+mj-lt"/>
-          <a:ea typeface="Arial"/>
-          <a:cs typeface="Arial"/>
+          <a:latin typeface="Arial" panose="020B0604020202020204" pitchFamily="34" charset="0"/>
+          <a:ea typeface="Arial" panose="020B0604020202020204" pitchFamily="34" charset="0"/>
+          <a:cs typeface="Arial" panose="020B0604020202020204" pitchFamily="34" charset="0"/>
           <a:sym typeface="Arial"/>
         </a:defRPr>
       </a:lvl1pPr>
@@ -5573,7 +6812,12 @@
             <p:ph type="ctrTitle"/>
           </p:nvPr>
         </p:nvSpPr>
-        <p:spPr/>
+        <p:spPr>
+          <a:xfrm>
+            <a:off x="2140527" y="1208599"/>
+            <a:ext cx="4862946" cy="2868975"/>
+          </a:xfrm>
+        </p:spPr>
         <p:txBody>
           <a:bodyPr/>
           <a:lstStyle/>
@@ -5582,8 +6826,27 @@
               <a:rPr lang="pt-BR" sz="4400" dirty="0">
                 <a:latin typeface="+mj-lt"/>
               </a:rPr>
-              <a:t>INFLUÊNCIA DA SELIC NO ÍNDICE BOVESPA</a:t>
-            </a:r>
+              <a:t>INFLUÊNCIA DA SELIC NO IBOVESPA</a:t>
+            </a:r>
+            <a:br>
+              <a:rPr lang="pt-BR" sz="4400" dirty="0">
+                <a:latin typeface="+mj-lt"/>
+              </a:rPr>
+            </a:br>
+            <a:br>
+              <a:rPr lang="pt-BR" sz="4400" dirty="0">
+                <a:latin typeface="+mj-lt"/>
+              </a:rPr>
+            </a:br>
+            <a:r>
+              <a:rPr lang="pt-BR" sz="1600" b="0" dirty="0">
+                <a:latin typeface="+mj-lt"/>
+              </a:rPr>
+              <a:t>Anderson Santos</a:t>
+            </a:r>
+            <a:endParaRPr lang="pt-BR" sz="4400" b="0" dirty="0">
+              <a:latin typeface="+mj-lt"/>
+            </a:endParaRPr>
           </a:p>
         </p:txBody>
       </p:sp>
@@ -5703,7 +6966,7 @@
           <p:nvPr/>
         </p:nvPicPr>
         <p:blipFill>
-          <a:blip r:embed="rId2"/>
+          <a:blip r:embed="rId3"/>
           <a:stretch>
             <a:fillRect/>
           </a:stretch>
@@ -5990,13 +7253,8 @@
           <a:p>
             <a:r>
               <a:rPr lang="pt-BR" dirty="0"/>
-              <a:t>Pesquisa </a:t>
-            </a:r>
-            <a:r>
-              <a:rPr lang="pt-BR" dirty="0" err="1"/>
-              <a:t>focus</a:t>
-            </a:r>
-            <a:endParaRPr lang="pt-BR" dirty="0"/>
+              <a:t>Reuniões do COPOM</a:t>
+            </a:r>
           </a:p>
         </p:txBody>
       </p:sp>
@@ -6052,8 +7310,8 @@
         </p:nvSpPr>
         <p:spPr>
           <a:xfrm>
-            <a:off x="6599903" y="2707131"/>
-            <a:ext cx="2477729" cy="307777"/>
+            <a:off x="7340600" y="2523859"/>
+            <a:ext cx="1532468" cy="523220"/>
           </a:xfrm>
           <a:prstGeom prst="rect">
             <a:avLst/>
@@ -6074,7 +7332,26 @@
                 <a:effectLst/>
                 <a:latin typeface="+mj-lt"/>
               </a:rPr>
-              <a:t>De 01/01/2002 a 05/12/2022  </a:t>
+              <a:t>De </a:t>
+            </a:r>
+            <a:r>
+              <a:rPr lang="pt-BR" dirty="0">
+                <a:solidFill>
+                  <a:srgbClr val="333333"/>
+                </a:solidFill>
+                <a:latin typeface="+mj-lt"/>
+              </a:rPr>
+              <a:t>26</a:t>
+            </a:r>
+            <a:r>
+              <a:rPr lang="pt-BR" b="0" i="0" dirty="0">
+                <a:solidFill>
+                  <a:srgbClr val="333333"/>
+                </a:solidFill>
+                <a:effectLst/>
+                <a:latin typeface="+mj-lt"/>
+              </a:rPr>
+              <a:t>/06/1996 a 07/12/2022  </a:t>
             </a:r>
             <a:endParaRPr lang="pt-BR" dirty="0">
               <a:latin typeface="+mj-lt"/>
@@ -6084,10 +7361,10 @@
       </p:sp>
       <p:pic>
         <p:nvPicPr>
-          <p:cNvPr id="9" name="Picture 8">
+          <p:cNvPr id="5" name="Picture 4">
             <a:extLst>
               <a:ext uri="{FF2B5EF4-FFF2-40B4-BE49-F238E27FC236}">
-                <a16:creationId xmlns:a16="http://schemas.microsoft.com/office/drawing/2014/main" id="{285C75E1-655B-182C-7F19-29CC8E51CCFD}"/>
+                <a16:creationId xmlns:a16="http://schemas.microsoft.com/office/drawing/2014/main" id="{EC57D6F0-7772-54AD-E3E7-00386DD729D2}"/>
               </a:ext>
             </a:extLst>
           </p:cNvPr>
@@ -6104,8 +7381,8 @@
         </p:blipFill>
         <p:spPr>
           <a:xfrm>
-            <a:off x="537411" y="1548948"/>
-            <a:ext cx="5922383" cy="2624145"/>
+            <a:off x="0" y="1523999"/>
+            <a:ext cx="7128069" cy="2522941"/>
           </a:xfrm>
           <a:prstGeom prst="rect">
             <a:avLst/>
@@ -6114,10 +7391,10 @@
       </p:pic>
       <p:sp>
         <p:nvSpPr>
-          <p:cNvPr id="10" name="TextBox 9">
+          <p:cNvPr id="6" name="TextBox 5">
             <a:extLst>
               <a:ext uri="{FF2B5EF4-FFF2-40B4-BE49-F238E27FC236}">
-                <a16:creationId xmlns:a16="http://schemas.microsoft.com/office/drawing/2014/main" id="{81EECB43-32EB-52F6-7AD2-97B4C8E1208F}"/>
+                <a16:creationId xmlns:a16="http://schemas.microsoft.com/office/drawing/2014/main" id="{DFEE14E9-8BDF-A65E-E74F-75E229D8301F}"/>
               </a:ext>
             </a:extLst>
           </p:cNvPr>
@@ -6126,7 +7403,7 @@
         </p:nvSpPr>
         <p:spPr>
           <a:xfrm>
-            <a:off x="3300471" y="3973038"/>
+            <a:off x="3143362" y="3780111"/>
             <a:ext cx="396262" cy="400110"/>
           </a:xfrm>
           <a:prstGeom prst="rect">
@@ -6150,7 +7427,7 @@
     </p:spTree>
     <p:extLst>
       <p:ext uri="{BB962C8B-B14F-4D97-AF65-F5344CB8AC3E}">
-        <p14:creationId xmlns:p14="http://schemas.microsoft.com/office/powerpoint/2010/main" val="919872725"/>
+        <p14:creationId xmlns:p14="http://schemas.microsoft.com/office/powerpoint/2010/main" val="3144427708"/>
       </p:ext>
     </p:extLst>
   </p:cSld>
@@ -6200,8 +7477,13 @@
           <a:p>
             <a:r>
               <a:rPr lang="pt-BR" dirty="0"/>
-              <a:t>Reuniões do COPOM</a:t>
-            </a:r>
+              <a:t>Pesquisa </a:t>
+            </a:r>
+            <a:r>
+              <a:rPr lang="pt-BR" dirty="0" err="1"/>
+              <a:t>focus</a:t>
+            </a:r>
+            <a:endParaRPr lang="pt-BR" dirty="0"/>
           </a:p>
         </p:txBody>
       </p:sp>
@@ -6279,26 +7561,7 @@
                 <a:effectLst/>
                 <a:latin typeface="+mj-lt"/>
               </a:rPr>
-              <a:t>De </a:t>
-            </a:r>
-            <a:r>
-              <a:rPr lang="pt-BR" dirty="0">
-                <a:solidFill>
-                  <a:srgbClr val="333333"/>
-                </a:solidFill>
-                <a:latin typeface="+mj-lt"/>
-              </a:rPr>
-              <a:t>26</a:t>
-            </a:r>
-            <a:r>
-              <a:rPr lang="pt-BR" b="0" i="0" dirty="0">
-                <a:solidFill>
-                  <a:srgbClr val="333333"/>
-                </a:solidFill>
-                <a:effectLst/>
-                <a:latin typeface="+mj-lt"/>
-              </a:rPr>
-              <a:t>/06/1996 a 07/12/2022  </a:t>
+              <a:t>De 01/01/2002 a 05/12/2022  </a:t>
             </a:r>
             <a:endParaRPr lang="pt-BR" dirty="0">
               <a:latin typeface="+mj-lt"/>
@@ -6308,10 +7571,10 @@
       </p:sp>
       <p:pic>
         <p:nvPicPr>
-          <p:cNvPr id="5" name="Picture 4">
+          <p:cNvPr id="9" name="Picture 8">
             <a:extLst>
               <a:ext uri="{FF2B5EF4-FFF2-40B4-BE49-F238E27FC236}">
-                <a16:creationId xmlns:a16="http://schemas.microsoft.com/office/drawing/2014/main" id="{EC57D6F0-7772-54AD-E3E7-00386DD729D2}"/>
+                <a16:creationId xmlns:a16="http://schemas.microsoft.com/office/drawing/2014/main" id="{285C75E1-655B-182C-7F19-29CC8E51CCFD}"/>
               </a:ext>
             </a:extLst>
           </p:cNvPr>
@@ -6321,15 +7584,15 @@
           <p:nvPr/>
         </p:nvPicPr>
         <p:blipFill>
-          <a:blip r:embed="rId2"/>
+          <a:blip r:embed="rId3"/>
           <a:stretch>
             <a:fillRect/>
           </a:stretch>
         </p:blipFill>
         <p:spPr>
           <a:xfrm>
-            <a:off x="266384" y="1769807"/>
-            <a:ext cx="6150218" cy="2176836"/>
+            <a:off x="321717" y="1489906"/>
+            <a:ext cx="6188878" cy="2742226"/>
           </a:xfrm>
           <a:prstGeom prst="rect">
             <a:avLst/>
@@ -6338,10 +7601,10 @@
       </p:pic>
       <p:sp>
         <p:nvSpPr>
-          <p:cNvPr id="6" name="TextBox 5">
+          <p:cNvPr id="10" name="TextBox 9">
             <a:extLst>
               <a:ext uri="{FF2B5EF4-FFF2-40B4-BE49-F238E27FC236}">
-                <a16:creationId xmlns:a16="http://schemas.microsoft.com/office/drawing/2014/main" id="{DFEE14E9-8BDF-A65E-E74F-75E229D8301F}"/>
+                <a16:creationId xmlns:a16="http://schemas.microsoft.com/office/drawing/2014/main" id="{81EECB43-32EB-52F6-7AD2-97B4C8E1208F}"/>
               </a:ext>
             </a:extLst>
           </p:cNvPr>
@@ -6350,7 +7613,7 @@
         </p:nvSpPr>
         <p:spPr>
           <a:xfrm>
-            <a:off x="3143362" y="3780111"/>
+            <a:off x="3300471" y="3973038"/>
             <a:ext cx="396262" cy="400110"/>
           </a:xfrm>
           <a:prstGeom prst="rect">
@@ -6374,7 +7637,7 @@
     </p:spTree>
     <p:extLst>
       <p:ext uri="{BB962C8B-B14F-4D97-AF65-F5344CB8AC3E}">
-        <p14:creationId xmlns:p14="http://schemas.microsoft.com/office/powerpoint/2010/main" val="3144427708"/>
+        <p14:creationId xmlns:p14="http://schemas.microsoft.com/office/powerpoint/2010/main" val="919872725"/>
       </p:ext>
     </p:extLst>
   </p:cSld>
@@ -6424,7 +7687,7 @@
           <a:p>
             <a:r>
               <a:rPr lang="pt-BR" dirty="0"/>
-              <a:t>Novo conjunto de dados</a:t>
+              <a:t>Nova série temporal</a:t>
             </a:r>
           </a:p>
         </p:txBody>
@@ -6481,7 +7744,7 @@
         </p:nvSpPr>
         <p:spPr>
           <a:xfrm>
-            <a:off x="5692877" y="2552201"/>
+            <a:off x="4297650" y="1448446"/>
             <a:ext cx="2477729" cy="523220"/>
           </a:xfrm>
           <a:prstGeom prst="rect">
@@ -6525,7 +7788,7 @@
         </p:nvSpPr>
         <p:spPr>
           <a:xfrm>
-            <a:off x="1825267" y="2322871"/>
+            <a:off x="539975" y="2388257"/>
             <a:ext cx="1080996" cy="995516"/>
           </a:xfrm>
           <a:prstGeom prst="rect">
@@ -6554,10 +7817,16 @@
           <a:p>
             <a:pPr algn="ctr"/>
             <a:r>
-              <a:rPr lang="pt-BR" dirty="0" err="1"/>
-              <a:t>ibovespa</a:t>
-            </a:r>
-            <a:endParaRPr lang="pt-BR" dirty="0"/>
+              <a:rPr lang="pt-BR" sz="1200" dirty="0"/>
+              <a:t>Preço Ajustado</a:t>
+            </a:r>
+          </a:p>
+          <a:p>
+            <a:pPr algn="ctr"/>
+            <a:r>
+              <a:rPr lang="pt-BR" sz="1200" dirty="0"/>
+              <a:t>IBOVESPA</a:t>
+            </a:r>
           </a:p>
         </p:txBody>
       </p:sp>
@@ -6575,7 +7844,7 @@
         </p:nvSpPr>
         <p:spPr>
           <a:xfrm>
-            <a:off x="4137476" y="1139275"/>
+            <a:off x="2852184" y="1204661"/>
             <a:ext cx="1080996" cy="995516"/>
           </a:xfrm>
           <a:prstGeom prst="rect">
@@ -6631,7 +7900,7 @@
         </p:nvSpPr>
         <p:spPr>
           <a:xfrm>
-            <a:off x="4137476" y="2322871"/>
+            <a:off x="2852184" y="2388257"/>
             <a:ext cx="1080996" cy="995516"/>
           </a:xfrm>
           <a:prstGeom prst="rect">
@@ -6680,7 +7949,7 @@
         </p:nvSpPr>
         <p:spPr>
           <a:xfrm>
-            <a:off x="4137476" y="3506467"/>
+            <a:off x="2852184" y="3571853"/>
             <a:ext cx="1080996" cy="995516"/>
           </a:xfrm>
           <a:prstGeom prst="rect">
@@ -6733,7 +8002,7 @@
         </p:nvCxnSpPr>
         <p:spPr>
           <a:xfrm rot="5400000" flipH="1" flipV="1">
-            <a:off x="2908701" y="1094097"/>
+            <a:off x="1623409" y="1159483"/>
             <a:ext cx="685838" cy="1771711"/>
           </a:xfrm>
           <a:prstGeom prst="bentConnector2">
@@ -6774,7 +8043,7 @@
         </p:nvCxnSpPr>
         <p:spPr>
           <a:xfrm>
-            <a:off x="2906263" y="2820629"/>
+            <a:off x="1620971" y="2886015"/>
             <a:ext cx="1231213" cy="0"/>
           </a:xfrm>
           <a:prstGeom prst="line">
@@ -6815,7 +8084,7 @@
         </p:nvCxnSpPr>
         <p:spPr>
           <a:xfrm rot="16200000" flipH="1">
-            <a:off x="2908701" y="2775450"/>
+            <a:off x="1623409" y="2840836"/>
             <a:ext cx="685838" cy="1771711"/>
           </a:xfrm>
           <a:prstGeom prst="bentConnector2">
@@ -6852,7 +8121,7 @@
         </p:nvSpPr>
         <p:spPr>
           <a:xfrm>
-            <a:off x="3060859" y="2552201"/>
+            <a:off x="1775567" y="2617587"/>
             <a:ext cx="861133" cy="523220"/>
           </a:xfrm>
           <a:prstGeom prst="rect">
@@ -6885,6 +8154,64 @@
           </a:p>
         </p:txBody>
       </p:sp>
+      <p:pic>
+        <p:nvPicPr>
+          <p:cNvPr id="14" name="Picture 13">
+            <a:extLst>
+              <a:ext uri="{FF2B5EF4-FFF2-40B4-BE49-F238E27FC236}">
+                <a16:creationId xmlns:a16="http://schemas.microsoft.com/office/drawing/2014/main" id="{9AE28902-8921-C8CD-0225-C84BF12F5BA6}"/>
+              </a:ext>
+            </a:extLst>
+          </p:cNvPr>
+          <p:cNvPicPr>
+            <a:picLocks noChangeAspect="1"/>
+          </p:cNvPicPr>
+          <p:nvPr/>
+        </p:nvPicPr>
+        <p:blipFill rotWithShape="1">
+          <a:blip r:embed="rId2"/>
+          <a:srcRect l="3492" r="36514" b="39931"/>
+          <a:stretch/>
+        </p:blipFill>
+        <p:spPr>
+          <a:xfrm>
+            <a:off x="4297650" y="2291868"/>
+            <a:ext cx="3765877" cy="1176402"/>
+          </a:xfrm>
+          <a:prstGeom prst="rect">
+            <a:avLst/>
+          </a:prstGeom>
+        </p:spPr>
+      </p:pic>
+      <p:pic>
+        <p:nvPicPr>
+          <p:cNvPr id="16" name="Picture 15">
+            <a:extLst>
+              <a:ext uri="{FF2B5EF4-FFF2-40B4-BE49-F238E27FC236}">
+                <a16:creationId xmlns:a16="http://schemas.microsoft.com/office/drawing/2014/main" id="{A51E7FD8-CFD1-82AE-41C4-C8B829D9CC6C}"/>
+              </a:ext>
+            </a:extLst>
+          </p:cNvPr>
+          <p:cNvPicPr>
+            <a:picLocks noChangeAspect="1"/>
+          </p:cNvPicPr>
+          <p:nvPr/>
+        </p:nvPicPr>
+        <p:blipFill rotWithShape="1">
+          <a:blip r:embed="rId2"/>
+          <a:srcRect t="84191" r="80768"/>
+          <a:stretch/>
+        </p:blipFill>
+        <p:spPr>
+          <a:xfrm>
+            <a:off x="4297650" y="3487802"/>
+            <a:ext cx="1771712" cy="454398"/>
+          </a:xfrm>
+          <a:prstGeom prst="rect">
+            <a:avLst/>
+          </a:prstGeom>
+        </p:spPr>
+      </p:pic>
     </p:spTree>
     <p:extLst>
       <p:ext uri="{BB962C8B-B14F-4D97-AF65-F5344CB8AC3E}">
@@ -6962,7 +8289,7 @@
           <a:bodyPr/>
           <a:lstStyle/>
           <a:p>
-            <a:endParaRPr lang="pt-BR"/>
+            <a:endParaRPr lang="pt-BR" dirty="0"/>
           </a:p>
         </p:txBody>
       </p:sp>
@@ -7190,7 +8517,7 @@
           </p:cNvPicPr>
           <p:nvPr/>
         </p:nvPicPr>
-        <p:blipFill>
+        <p:blipFill rotWithShape="1">
           <a:blip r:embed="rId2">
             <a:extLst>
               <a:ext uri="{28A0092B-C50C-407E-A947-70E740481C1C}">
@@ -7198,15 +8525,13 @@
               </a:ext>
             </a:extLst>
           </a:blip>
-          <a:srcRect/>
-          <a:stretch>
-            <a:fillRect/>
-          </a:stretch>
+          <a:srcRect b="9121"/>
+          <a:stretch/>
         </p:blipFill>
         <p:spPr bwMode="auto">
           <a:xfrm>
-            <a:off x="2041730" y="1073829"/>
-            <a:ext cx="5060540" cy="3614671"/>
+            <a:off x="1723598" y="990528"/>
+            <a:ext cx="5696803" cy="3697972"/>
           </a:xfrm>
           <a:prstGeom prst="rect">
             <a:avLst/>
@@ -7223,6 +8548,45 @@
           </a:extLst>
         </p:spPr>
       </p:pic>
+      <p:cxnSp>
+        <p:nvCxnSpPr>
+          <p:cNvPr id="4" name="Straight Arrow Connector 3">
+            <a:extLst>
+              <a:ext uri="{FF2B5EF4-FFF2-40B4-BE49-F238E27FC236}">
+                <a16:creationId xmlns:a16="http://schemas.microsoft.com/office/drawing/2014/main" id="{F0B0458B-0D28-8F3F-79E3-49DDC8C39C9A}"/>
+              </a:ext>
+            </a:extLst>
+          </p:cNvPr>
+          <p:cNvCxnSpPr/>
+          <p:nvPr/>
+        </p:nvCxnSpPr>
+        <p:spPr>
+          <a:xfrm flipH="1">
+            <a:off x="7483075" y="3208867"/>
+            <a:ext cx="838200" cy="0"/>
+          </a:xfrm>
+          <a:prstGeom prst="straightConnector1">
+            <a:avLst/>
+          </a:prstGeom>
+          <a:ln w="28575">
+            <a:tailEnd type="triangle"/>
+          </a:ln>
+        </p:spPr>
+        <p:style>
+          <a:lnRef idx="1">
+            <a:schemeClr val="accent1"/>
+          </a:lnRef>
+          <a:fillRef idx="0">
+            <a:schemeClr val="accent1"/>
+          </a:fillRef>
+          <a:effectRef idx="0">
+            <a:schemeClr val="accent1"/>
+          </a:effectRef>
+          <a:fontRef idx="minor">
+            <a:schemeClr val="tx1"/>
+          </a:fontRef>
+        </p:style>
+      </p:cxnSp>
     </p:spTree>
     <p:extLst>
       <p:ext uri="{BB962C8B-B14F-4D97-AF65-F5344CB8AC3E}">
@@ -7348,7 +8712,7 @@
         </p:blipFill>
         <p:spPr bwMode="auto">
           <a:xfrm>
-            <a:off x="150250" y="1047492"/>
+            <a:off x="1748944" y="1047492"/>
             <a:ext cx="5097411" cy="3641008"/>
           </a:xfrm>
           <a:prstGeom prst="rect">
@@ -7364,64 +8728,6 @@
               </a14:hiddenFill>
             </a:ext>
           </a:extLst>
-        </p:spPr>
-      </p:pic>
-      <p:pic>
-        <p:nvPicPr>
-          <p:cNvPr id="8" name="Picture 7">
-            <a:extLst>
-              <a:ext uri="{FF2B5EF4-FFF2-40B4-BE49-F238E27FC236}">
-                <a16:creationId xmlns:a16="http://schemas.microsoft.com/office/drawing/2014/main" id="{5236A1FD-2EBD-5B8B-F6C8-E75DF35BF325}"/>
-              </a:ext>
-            </a:extLst>
-          </p:cNvPr>
-          <p:cNvPicPr>
-            <a:picLocks noChangeAspect="1"/>
-          </p:cNvPicPr>
-          <p:nvPr/>
-        </p:nvPicPr>
-        <p:blipFill rotWithShape="1">
-          <a:blip r:embed="rId3"/>
-          <a:srcRect l="3492" r="14787" b="39931"/>
-          <a:stretch/>
-        </p:blipFill>
-        <p:spPr>
-          <a:xfrm>
-            <a:off x="5247661" y="2003252"/>
-            <a:ext cx="3770699" cy="864744"/>
-          </a:xfrm>
-          <a:prstGeom prst="rect">
-            <a:avLst/>
-          </a:prstGeom>
-        </p:spPr>
-      </p:pic>
-      <p:pic>
-        <p:nvPicPr>
-          <p:cNvPr id="9" name="Picture 8">
-            <a:extLst>
-              <a:ext uri="{FF2B5EF4-FFF2-40B4-BE49-F238E27FC236}">
-                <a16:creationId xmlns:a16="http://schemas.microsoft.com/office/drawing/2014/main" id="{62F0AAD5-CFBF-E8E6-2DDF-211215D6B007}"/>
-              </a:ext>
-            </a:extLst>
-          </p:cNvPr>
-          <p:cNvPicPr>
-            <a:picLocks noChangeAspect="1"/>
-          </p:cNvPicPr>
-          <p:nvPr/>
-        </p:nvPicPr>
-        <p:blipFill rotWithShape="1">
-          <a:blip r:embed="rId3"/>
-          <a:srcRect t="84191" r="80768"/>
-          <a:stretch/>
-        </p:blipFill>
-        <p:spPr>
-          <a:xfrm>
-            <a:off x="5885468" y="2867996"/>
-            <a:ext cx="2344646" cy="601341"/>
-          </a:xfrm>
-          <a:prstGeom prst="rect">
-            <a:avLst/>
-          </a:prstGeom>
         </p:spPr>
       </p:pic>
     </p:spTree>
@@ -7566,16 +8872,15 @@
           </p:cNvPicPr>
           <p:nvPr/>
         </p:nvPicPr>
-        <p:blipFill>
+        <p:blipFill rotWithShape="1">
           <a:blip r:embed="rId4"/>
-          <a:stretch>
-            <a:fillRect/>
-          </a:stretch>
+          <a:srcRect b="2726"/>
+          <a:stretch/>
         </p:blipFill>
         <p:spPr>
           <a:xfrm>
             <a:off x="3192242" y="939788"/>
-            <a:ext cx="1401881" cy="4108289"/>
+            <a:ext cx="1431136" cy="4079675"/>
           </a:xfrm>
           <a:prstGeom prst="rect">
             <a:avLst/>
@@ -7664,8 +8969,8 @@
         </p:blipFill>
         <p:spPr>
           <a:xfrm>
-            <a:off x="7467776" y="939787"/>
-            <a:ext cx="1391306" cy="4108291"/>
+            <a:off x="7489697" y="888985"/>
+            <a:ext cx="1391305" cy="4108289"/>
           </a:xfrm>
           <a:prstGeom prst="rect">
             <a:avLst/>
@@ -7808,7 +9113,12 @@
             <p:ph type="body" idx="1"/>
           </p:nvPr>
         </p:nvSpPr>
-        <p:spPr/>
+        <p:spPr>
+          <a:xfrm>
+            <a:off x="254442" y="1125350"/>
+            <a:ext cx="8611261" cy="3563150"/>
+          </a:xfrm>
+        </p:spPr>
         <p:txBody>
           <a:bodyPr/>
           <a:lstStyle/>
@@ -7820,16 +9130,14 @@
               <a:t>É do senso comum que a taxa </a:t>
             </a:r>
             <a:r>
-              <a:rPr lang="pt-BR" sz="2000" dirty="0" err="1">
-                <a:latin typeface="+mj-lt"/>
-              </a:rPr>
-              <a:t>selic</a:t>
+              <a:rPr lang="pt-BR" sz="2000" dirty="0"/>
+              <a:t>S</a:t>
             </a:r>
             <a:r>
               <a:rPr lang="pt-BR" sz="2000" dirty="0">
                 <a:latin typeface="+mj-lt"/>
               </a:rPr>
-              <a:t> tenha influência no índice da Bovespa;</a:t>
+              <a:t>elic tem influência no desempenho do índice Bovespa;</a:t>
             </a:r>
           </a:p>
           <a:p>
@@ -7845,19 +9153,33 @@
               <a:rPr lang="pt-BR" sz="2000" dirty="0">
                 <a:latin typeface="+mj-lt"/>
               </a:rPr>
-              <a:t>Avaliar a correlação do índice Bovespa (série temporal em base diária) em função das covariáveis (taxa </a:t>
-            </a:r>
-            <a:r>
-              <a:rPr lang="pt-BR" sz="2000" dirty="0" err="1">
-                <a:latin typeface="+mj-lt"/>
-              </a:rPr>
-              <a:t>selic</a:t>
+              <a:t>A Selic é um dos principais indexadores para aplicações de renda fixa (menor risco) e o Ibovespa reflete o desempenho da renda variável (maior risco);</a:t>
+            </a:r>
+          </a:p>
+          <a:p>
+            <a:r>
+              <a:rPr lang="pt-BR" sz="2000" dirty="0"/>
+              <a:t>A aversão a riscos aumenta em períodos de incerteza </a:t>
             </a:r>
             <a:r>
               <a:rPr lang="pt-BR" sz="2000" dirty="0">
                 <a:latin typeface="+mj-lt"/>
               </a:rPr>
-              <a:t> anunciada mês a mês) requer entender momentos diferentes da economia.</a:t>
+              <a:t>econômica;</a:t>
+            </a:r>
+          </a:p>
+          <a:p>
+            <a:r>
+              <a:rPr lang="pt-BR" sz="2000" dirty="0"/>
+              <a:t>As aplicações migram de RV e RF dependendo desse cenário.</a:t>
+            </a:r>
+          </a:p>
+          <a:p>
+            <a:r>
+              <a:rPr lang="pt-BR" sz="2000" dirty="0">
+                <a:latin typeface="+mj-lt"/>
+              </a:rPr>
+              <a:t>Mercado antecipa e incorpora as certezas;</a:t>
             </a:r>
           </a:p>
         </p:txBody>
@@ -7975,8 +9297,39 @@
           </a:xfrm>
         </p:spPr>
         <p:txBody>
-          <a:bodyPr/>
+          <a:bodyPr anchor="ctr"/>
           <a:lstStyle/>
+          <a:p>
+            <a:r>
+              <a:rPr lang="pt-BR" b="0" i="0" dirty="0">
+                <a:solidFill>
+                  <a:srgbClr val="333333"/>
+                </a:solidFill>
+                <a:effectLst/>
+              </a:rPr>
+              <a:t>35 das amostra retorno negativo;</a:t>
+            </a:r>
+          </a:p>
+          <a:p>
+            <a:r>
+              <a:rPr lang="pt-BR" dirty="0">
+                <a:solidFill>
+                  <a:srgbClr val="333333"/>
+                </a:solidFill>
+              </a:rPr>
+              <a:t>Representa </a:t>
+            </a:r>
+            <a:r>
+              <a:rPr lang="pt-BR" b="0" i="0" dirty="0">
+                <a:solidFill>
+                  <a:srgbClr val="333333"/>
+                </a:solidFill>
+                <a:effectLst/>
+              </a:rPr>
+              <a:t>51% das amostras;</a:t>
+            </a:r>
+            <a:endParaRPr lang="pt-BR" dirty="0"/>
+          </a:p>
           <a:p>
             <a:r>
               <a:rPr lang="pt-BR" b="0" i="0" dirty="0">
@@ -7987,18 +9340,6 @@
               </a:rPr>
               <a:t>perdas foram de -1.52 e os ganhos 2.11, gerando um acumulado de 0.59.</a:t>
             </a:r>
-          </a:p>
-          <a:p>
-            <a:r>
-              <a:rPr lang="pt-BR" b="0" i="0" dirty="0">
-                <a:solidFill>
-                  <a:srgbClr val="333333"/>
-                </a:solidFill>
-                <a:effectLst/>
-              </a:rPr>
-              <a:t>35 das amostra retorno negativo - 0.51% das amostras.</a:t>
-            </a:r>
-            <a:endParaRPr lang="pt-BR" dirty="0"/>
           </a:p>
         </p:txBody>
       </p:sp>
@@ -8832,7 +10173,7 @@
           <p:nvPr/>
         </p:nvPicPr>
         <p:blipFill>
-          <a:blip r:embed="rId2"/>
+          <a:blip r:embed="rId3"/>
           <a:stretch>
             <a:fillRect/>
           </a:stretch>
@@ -9890,7 +11231,7 @@
           <a:bodyPr/>
           <a:lstStyle/>
           <a:p>
-            <a:endParaRPr lang="pt-BR"/>
+            <a:endParaRPr lang="pt-BR" dirty="0"/>
           </a:p>
         </p:txBody>
       </p:sp>
@@ -10030,7 +11371,7 @@
           <a:p>
             <a:r>
               <a:rPr lang="pt-BR" sz="1800" dirty="0"/>
-              <a:t>Log retorno do Ibovespa no período de dez dias antes e depois das reuniões;</a:t>
+              <a:t>Log retorno do Ibovespa no período de dez dias antes e depois das reuniões onde houveram surpresas;</a:t>
             </a:r>
           </a:p>
           <a:p>
@@ -10044,6 +11385,7 @@
             <a:r>
               <a:rPr lang="pt-BR" sz="1800" dirty="0">
                 <a:latin typeface="+mj-lt"/>
+                <a:cs typeface="Arial" panose="020B0604020202020204" pitchFamily="34" charset="0"/>
               </a:rPr>
               <a:t>2001 a 2022: Toda a série;</a:t>
             </a:r>
@@ -10053,18 +11395,21 @@
             <a:r>
               <a:rPr lang="pt-BR" sz="1800" dirty="0">
                 <a:latin typeface="+mj-lt"/>
+                <a:cs typeface="Arial" panose="020B0604020202020204" pitchFamily="34" charset="0"/>
               </a:rPr>
               <a:t>2004 a 2007: Crise dos </a:t>
             </a:r>
             <a:r>
               <a:rPr lang="pt-BR" sz="1800" dirty="0" err="1">
                 <a:latin typeface="+mj-lt"/>
+                <a:cs typeface="Arial" panose="020B0604020202020204" pitchFamily="34" charset="0"/>
               </a:rPr>
               <a:t>subprime</a:t>
             </a:r>
             <a:r>
               <a:rPr lang="pt-BR" sz="1800" dirty="0">
                 <a:latin typeface="+mj-lt"/>
+                <a:cs typeface="Arial" panose="020B0604020202020204" pitchFamily="34" charset="0"/>
               </a:rPr>
               <a:t>,</a:t>
             </a:r>
@@ -10074,6 +11419,7 @@
             <a:r>
               <a:rPr lang="pt-BR" sz="1800" dirty="0">
                 <a:latin typeface="+mj-lt"/>
+                <a:cs typeface="Arial" panose="020B0604020202020204" pitchFamily="34" charset="0"/>
               </a:rPr>
               <a:t>2008 a 2010: Crise financeira mundial no Brasil;</a:t>
             </a:r>
@@ -10083,6 +11429,7 @@
             <a:r>
               <a:rPr lang="pt-BR" sz="1800" dirty="0">
                 <a:latin typeface="+mj-lt"/>
+                <a:cs typeface="Arial" panose="020B0604020202020204" pitchFamily="34" charset="0"/>
               </a:rPr>
               <a:t>2011 a 2012: Crise financeira Europa;</a:t>
             </a:r>
@@ -10092,6 +11439,7 @@
             <a:r>
               <a:rPr lang="pt-BR" sz="1800" dirty="0">
                 <a:latin typeface="+mj-lt"/>
+                <a:cs typeface="Arial" panose="020B0604020202020204" pitchFamily="34" charset="0"/>
               </a:rPr>
               <a:t>2013 a 2016: Grande recessão brasileira;</a:t>
             </a:r>
@@ -10101,6 +11449,7 @@
             <a:r>
               <a:rPr lang="pt-BR" sz="1800" dirty="0">
                 <a:latin typeface="+mj-lt"/>
+                <a:cs typeface="Arial" panose="020B0604020202020204" pitchFamily="34" charset="0"/>
               </a:rPr>
               <a:t>2017 a 2022: COVID-19, iniciada em 2020.</a:t>
             </a:r>
@@ -10365,7 +11714,7 @@
           <a:bodyPr/>
           <a:lstStyle/>
           <a:p>
-            <a:endParaRPr lang="pt-BR"/>
+            <a:endParaRPr lang="pt-BR" dirty="0"/>
           </a:p>
         </p:txBody>
       </p:sp>
@@ -10449,7 +11798,7 @@
           <a:p>
             <a:r>
               <a:rPr lang="pt-BR" sz="1800" dirty="0"/>
-              <a:t>ÍNDICE BOVESPA</a:t>
+              <a:t>Índice Bovespa</a:t>
             </a:r>
           </a:p>
           <a:p>
@@ -10457,8 +11806,9 @@
             <a:r>
               <a:rPr lang="pt-BR" sz="1800" dirty="0">
                 <a:latin typeface="+mj-lt"/>
+                <a:cs typeface="Arial" panose="020B0604020202020204" pitchFamily="34" charset="0"/>
               </a:rPr>
-              <a:t>FONTE: Yahoo Finanças link</a:t>
+              <a:t>Fonte: Yahoo Finanças</a:t>
             </a:r>
           </a:p>
           <a:p>
@@ -10472,18 +11822,21 @@
             <a:r>
               <a:rPr lang="pt-BR" sz="1800" dirty="0">
                 <a:latin typeface="+mj-lt"/>
+                <a:cs typeface="Arial" panose="020B0604020202020204" pitchFamily="34" charset="0"/>
               </a:rPr>
-              <a:t>FONTE: </a:t>
+              <a:t>Fonte : </a:t>
             </a:r>
             <a:r>
               <a:rPr lang="pt-BR" sz="1800" dirty="0">
                 <a:latin typeface="+mj-lt"/>
+                <a:cs typeface="Arial" panose="020B0604020202020204" pitchFamily="34" charset="0"/>
                 <a:hlinkClick r:id="rId2"/>
               </a:rPr>
               <a:t>BCB - Meta Selic</a:t>
             </a:r>
             <a:endParaRPr lang="pt-BR" sz="1800" dirty="0">
               <a:latin typeface="+mj-lt"/>
+              <a:cs typeface="Arial" panose="020B0604020202020204" pitchFamily="34" charset="0"/>
             </a:endParaRPr>
           </a:p>
           <a:p>
@@ -10497,12 +11850,14 @@
             <a:r>
               <a:rPr lang="pt-BR" sz="1800" dirty="0">
                 <a:latin typeface="+mj-lt"/>
+                <a:cs typeface="Arial" panose="020B0604020202020204" pitchFamily="34" charset="0"/>
               </a:rPr>
-              <a:t>FONTE: </a:t>
+              <a:t>Fonte : </a:t>
             </a:r>
             <a:r>
               <a:rPr lang="pt-BR" sz="1800" dirty="0">
                 <a:latin typeface="+mj-lt"/>
+                <a:cs typeface="Arial" panose="020B0604020202020204" pitchFamily="34" charset="0"/>
                 <a:hlinkClick r:id="rId3"/>
               </a:rPr>
               <a:t>Taxas de juros básicas – Histórico</a:t>
@@ -10510,8 +11865,9 @@
             <a:r>
               <a:rPr lang="pt-BR" sz="1800" dirty="0">
                 <a:latin typeface="+mj-lt"/>
+                <a:cs typeface="Arial" panose="020B0604020202020204" pitchFamily="34" charset="0"/>
               </a:rPr>
-              <a:t> do Banco Central</a:t>
+              <a:t> do Banco Central Brasil</a:t>
             </a:r>
           </a:p>
           <a:p>
@@ -10525,18 +11881,21 @@
             <a:r>
               <a:rPr lang="pt-BR" sz="1800" dirty="0">
                 <a:latin typeface="+mj-lt"/>
+                <a:cs typeface="Arial" panose="020B0604020202020204" pitchFamily="34" charset="0"/>
               </a:rPr>
-              <a:t>FONTE: </a:t>
+              <a:t>Fonte : </a:t>
             </a:r>
             <a:r>
               <a:rPr lang="pt-BR" sz="1800" dirty="0">
                 <a:latin typeface="+mj-lt"/>
+                <a:cs typeface="Arial" panose="020B0604020202020204" pitchFamily="34" charset="0"/>
                 <a:hlinkClick r:id="rId4"/>
               </a:rPr>
               <a:t>BCB - Relatório FOCUS</a:t>
             </a:r>
             <a:endParaRPr lang="pt-BR" sz="1800" dirty="0">
               <a:latin typeface="+mj-lt"/>
+              <a:cs typeface="Arial" panose="020B0604020202020204" pitchFamily="34" charset="0"/>
             </a:endParaRPr>
           </a:p>
         </p:txBody>
@@ -10684,7 +12043,7 @@
           <p:nvPr/>
         </p:nvPicPr>
         <p:blipFill>
-          <a:blip r:embed="rId2">
+          <a:blip r:embed="rId3">
             <a:extLst>
               <a:ext uri="{28A0092B-C50C-407E-A947-70E740481C1C}">
                 <a14:useLocalDpi xmlns:a14="http://schemas.microsoft.com/office/drawing/2010/main" val="0"/>
@@ -10747,7 +12106,7 @@
             <a:r>
               <a:rPr lang="pt-BR" sz="2000" dirty="0">
                 <a:latin typeface="+mj-lt"/>
-                <a:cs typeface="Catamaran" panose="020B0604020202020204" charset="0"/>
+                <a:cs typeface="Arial" panose="020B0604020202020204" pitchFamily="34" charset="0"/>
               </a:rPr>
               <a:t>92 ações</a:t>
             </a:r>
@@ -10865,7 +12224,7 @@
           <p:nvPr/>
         </p:nvPicPr>
         <p:blipFill>
-          <a:blip r:embed="rId2"/>
+          <a:blip r:embed="rId3"/>
           <a:stretch>
             <a:fillRect/>
           </a:stretch>
@@ -10894,8 +12253,8 @@
         </p:nvSpPr>
         <p:spPr>
           <a:xfrm>
-            <a:off x="7270201" y="2754758"/>
-            <a:ext cx="1794081" cy="400110"/>
+            <a:off x="7037189" y="2362565"/>
+            <a:ext cx="1794081" cy="1015663"/>
           </a:xfrm>
           <a:prstGeom prst="rect">
             <a:avLst/>
@@ -10911,7 +12270,25 @@
             <a:r>
               <a:rPr lang="pt-BR" sz="2000" dirty="0">
                 <a:latin typeface="+mj-lt"/>
-                <a:cs typeface="Catamaran" panose="020B0604020202020204" charset="0"/>
+                <a:cs typeface="Arial" panose="020B0604020202020204" pitchFamily="34" charset="0"/>
+              </a:rPr>
+              <a:t>10 setores</a:t>
+            </a:r>
+          </a:p>
+          <a:p>
+            <a:r>
+              <a:rPr lang="pt-BR" sz="2000" dirty="0">
+                <a:latin typeface="+mj-lt"/>
+                <a:cs typeface="Arial" panose="020B0604020202020204" pitchFamily="34" charset="0"/>
+              </a:rPr>
+              <a:t>28 subsetores</a:t>
+            </a:r>
+          </a:p>
+          <a:p>
+            <a:r>
+              <a:rPr lang="pt-BR" sz="2000" dirty="0">
+                <a:latin typeface="+mj-lt"/>
+                <a:cs typeface="Arial" panose="020B0604020202020204" pitchFamily="34" charset="0"/>
               </a:rPr>
               <a:t>36 segmentos</a:t>
             </a:r>
@@ -11779,6 +13156,21 @@
 </file>
 
 <file path=customXml/item1.xml><?xml version="1.0" encoding="utf-8"?>
+<p:properties xmlns:p="http://schemas.microsoft.com/office/2006/metadata/properties" xmlns:xsi="http://www.w3.org/2001/XMLSchema-instance" xmlns:pc="http://schemas.microsoft.com/office/infopath/2007/PartnerControls">
+  <documentManagement/>
+</p:properties>
+</file>
+
+<file path=customXml/item2.xml><?xml version="1.0" encoding="utf-8"?>
+<?mso-contentType ?>
+<FormTemplates xmlns="http://schemas.microsoft.com/sharepoint/v3/contenttype/forms">
+  <Display>DocumentLibraryForm</Display>
+  <Edit>DocumentLibraryForm</Edit>
+  <New>DocumentLibraryForm</New>
+</FormTemplates>
+</file>
+
+<file path=customXml/item3.xml><?xml version="1.0" encoding="utf-8"?>
 <ct:contentTypeSchema xmlns:ct="http://schemas.microsoft.com/office/2006/metadata/contentType" xmlns:ma="http://schemas.microsoft.com/office/2006/metadata/properties/metaAttributes" ct:_="" ma:_="" ma:contentTypeName="Documento" ma:contentTypeID="0x010100650D4E41FE4360418A47F56C40745A91" ma:contentTypeVersion="14" ma:contentTypeDescription="Crie um novo documento." ma:contentTypeScope="" ma:versionID="506242836f50dbf06c395ae2832af610">
   <xsd:schema xmlns:xsd="http://www.w3.org/2001/XMLSchema" xmlns:xs="http://www.w3.org/2001/XMLSchema" xmlns:p="http://schemas.microsoft.com/office/2006/metadata/properties" xmlns:ns3="f5974154-20f5-4267-b015-1dc31c347b17" xmlns:ns4="65a0ad0d-aef6-4631-9e8a-63032fe3eb72" targetNamespace="http://schemas.microsoft.com/office/2006/metadata/properties" ma:root="true" ma:fieldsID="86ca707c66489a6724b08d8d09aa1a84" ns3:_="" ns4:_="">
     <xsd:import namespace="f5974154-20f5-4267-b015-1dc31c347b17"/>
@@ -12007,22 +13399,32 @@
 </ct:contentTypeSchema>
 </file>
 
-<file path=customXml/item2.xml><?xml version="1.0" encoding="utf-8"?>
-<p:properties xmlns:p="http://schemas.microsoft.com/office/2006/metadata/properties" xmlns:xsi="http://www.w3.org/2001/XMLSchema-instance" xmlns:pc="http://schemas.microsoft.com/office/infopath/2007/PartnerControls">
-  <documentManagement/>
-</p:properties>
+<file path=customXml/itemProps1.xml><?xml version="1.0" encoding="utf-8"?>
+<ds:datastoreItem xmlns:ds="http://schemas.openxmlformats.org/officeDocument/2006/customXml" ds:itemID="{10ABDFD6-8FB0-401E-9356-C03F6DB31998}">
+  <ds:schemaRefs>
+    <ds:schemaRef ds:uri="http://purl.org/dc/terms/"/>
+    <ds:schemaRef ds:uri="http://schemas.openxmlformats.org/package/2006/metadata/core-properties"/>
+    <ds:schemaRef ds:uri="http://purl.org/dc/elements/1.1/"/>
+    <ds:schemaRef ds:uri="f5974154-20f5-4267-b015-1dc31c347b17"/>
+    <ds:schemaRef ds:uri="http://purl.org/dc/dcmitype/"/>
+    <ds:schemaRef ds:uri="http://schemas.microsoft.com/office/2006/documentManagement/types"/>
+    <ds:schemaRef ds:uri="http://www.w3.org/XML/1998/namespace"/>
+    <ds:schemaRef ds:uri="http://schemas.microsoft.com/office/infopath/2007/PartnerControls"/>
+    <ds:schemaRef ds:uri="65a0ad0d-aef6-4631-9e8a-63032fe3eb72"/>
+    <ds:schemaRef ds:uri="http://schemas.microsoft.com/office/2006/metadata/properties"/>
+  </ds:schemaRefs>
+</ds:datastoreItem>
 </file>
 
-<file path=customXml/item3.xml><?xml version="1.0" encoding="utf-8"?>
-<?mso-contentType ?>
-<FormTemplates xmlns="http://schemas.microsoft.com/sharepoint/v3/contenttype/forms">
-  <Display>DocumentLibraryForm</Display>
-  <Edit>DocumentLibraryForm</Edit>
-  <New>DocumentLibraryForm</New>
-</FormTemplates>
+<file path=customXml/itemProps2.xml><?xml version="1.0" encoding="utf-8"?>
+<ds:datastoreItem xmlns:ds="http://schemas.openxmlformats.org/officeDocument/2006/customXml" ds:itemID="{6987CAC9-BC8E-4BF3-A1E6-2EBB0D93A86D}">
+  <ds:schemaRefs>
+    <ds:schemaRef ds:uri="http://schemas.microsoft.com/sharepoint/v3/contenttype/forms"/>
+  </ds:schemaRefs>
+</ds:datastoreItem>
 </file>
 
-<file path=customXml/itemProps1.xml><?xml version="1.0" encoding="utf-8"?>
+<file path=customXml/itemProps3.xml><?xml version="1.0" encoding="utf-8"?>
 <ds:datastoreItem xmlns:ds="http://schemas.openxmlformats.org/officeDocument/2006/customXml" ds:itemID="{BE5540DF-F721-4AB4-B776-B490D42E08CA}">
   <ds:schemaRefs>
     <ds:schemaRef ds:uri="http://schemas.microsoft.com/office/2006/metadata/contentType"/>
@@ -12039,29 +13441,4 @@
     <ds:schemaRef ds:uri="http://schemas.microsoft.com/internal/obd"/>
   </ds:schemaRefs>
 </ds:datastoreItem>
-</file>
-
-<file path=customXml/itemProps2.xml><?xml version="1.0" encoding="utf-8"?>
-<ds:datastoreItem xmlns:ds="http://schemas.openxmlformats.org/officeDocument/2006/customXml" ds:itemID="{10ABDFD6-8FB0-401E-9356-C03F6DB31998}">
-  <ds:schemaRefs>
-    <ds:schemaRef ds:uri="http://purl.org/dc/terms/"/>
-    <ds:schemaRef ds:uri="http://schemas.openxmlformats.org/package/2006/metadata/core-properties"/>
-    <ds:schemaRef ds:uri="http://purl.org/dc/elements/1.1/"/>
-    <ds:schemaRef ds:uri="f5974154-20f5-4267-b015-1dc31c347b17"/>
-    <ds:schemaRef ds:uri="http://purl.org/dc/dcmitype/"/>
-    <ds:schemaRef ds:uri="http://schemas.microsoft.com/office/2006/documentManagement/types"/>
-    <ds:schemaRef ds:uri="http://www.w3.org/XML/1998/namespace"/>
-    <ds:schemaRef ds:uri="http://schemas.microsoft.com/office/infopath/2007/PartnerControls"/>
-    <ds:schemaRef ds:uri="65a0ad0d-aef6-4631-9e8a-63032fe3eb72"/>
-    <ds:schemaRef ds:uri="http://schemas.microsoft.com/office/2006/metadata/properties"/>
-  </ds:schemaRefs>
-</ds:datastoreItem>
-</file>
-
-<file path=customXml/itemProps3.xml><?xml version="1.0" encoding="utf-8"?>
-<ds:datastoreItem xmlns:ds="http://schemas.openxmlformats.org/officeDocument/2006/customXml" ds:itemID="{6987CAC9-BC8E-4BF3-A1E6-2EBB0D93A86D}">
-  <ds:schemaRefs>
-    <ds:schemaRef ds:uri="http://schemas.microsoft.com/sharepoint/v3/contenttype/forms"/>
-  </ds:schemaRefs>
-</ds:datastoreItem>
 </file>
--- a/pics/11 - BigDataAnalytics - ANDERSON.pptx
+++ b/pics/11 - BigDataAnalytics - ANDERSON.pptx
@@ -5,10 +5,10 @@
     <p:sldMasterId id="2147483658" r:id="rId4"/>
   </p:sldMasterIdLst>
   <p:notesMasterIdLst>
-    <p:notesMasterId r:id="rId35"/>
+    <p:notesMasterId r:id="rId36"/>
   </p:notesMasterIdLst>
   <p:handoutMasterIdLst>
-    <p:handoutMasterId r:id="rId36"/>
+    <p:handoutMasterId r:id="rId37"/>
   </p:handoutMasterIdLst>
   <p:sldIdLst>
     <p:sldId id="437" r:id="rId5"/>
@@ -40,20 +40,21 @@
     <p:sldId id="462" r:id="rId31"/>
     <p:sldId id="463" r:id="rId32"/>
     <p:sldId id="431" r:id="rId33"/>
-    <p:sldId id="287" r:id="rId34"/>
+    <p:sldId id="464" r:id="rId34"/>
+    <p:sldId id="287" r:id="rId35"/>
   </p:sldIdLst>
   <p:sldSz cx="9144000" cy="5143500" type="screen16x9"/>
   <p:notesSz cx="6858000" cy="9144000"/>
   <p:embeddedFontLst>
     <p:embeddedFont>
-      <p:font typeface="Catamaran" pitchFamily="2" charset="77"/>
-      <p:regular r:id="rId37"/>
-      <p:bold r:id="rId38"/>
+      <p:font typeface="Catamaran" panose="020B0604020202020204" charset="0"/>
+      <p:regular r:id="rId38"/>
+      <p:bold r:id="rId39"/>
     </p:embeddedFont>
     <p:embeddedFont>
-      <p:font typeface="Catamaran Thin" pitchFamily="2" charset="77"/>
-      <p:regular r:id="rId39"/>
-      <p:bold r:id="rId40"/>
+      <p:font typeface="Catamaran Thin" panose="020B0604020202020204" charset="0"/>
+      <p:regular r:id="rId40"/>
+      <p:bold r:id="rId41"/>
     </p:embeddedFont>
   </p:embeddedFontLst>
   <p:defaultTextStyle>
@@ -386,7 +387,7 @@
           <a:p>
             <a:fld id="{2FA52922-75C7-42B5-8AC7-D36A1A888AD7}" type="datetimeFigureOut">
               <a:rPr lang="pt-BR" smtClean="0"/>
-              <a:t>13/12/2022</a:t>
+              <a:t>14/12/2022</a:t>
             </a:fld>
             <a:endParaRPr lang="pt-BR"/>
           </a:p>
@@ -11267,6 +11268,482 @@
       </p:grpSpPr>
       <p:sp>
         <p:nvSpPr>
+          <p:cNvPr id="2" name="Title 1">
+            <a:extLst>
+              <a:ext uri="{FF2B5EF4-FFF2-40B4-BE49-F238E27FC236}">
+                <a16:creationId xmlns:a16="http://schemas.microsoft.com/office/drawing/2014/main" id="{A86885BC-0D49-2114-BCD1-F15AE339521E}"/>
+              </a:ext>
+            </a:extLst>
+          </p:cNvPr>
+          <p:cNvSpPr>
+            <a:spLocks noGrp="1"/>
+          </p:cNvSpPr>
+          <p:nvPr>
+            <p:ph type="title"/>
+          </p:nvPr>
+        </p:nvSpPr>
+        <p:spPr/>
+        <p:txBody>
+          <a:bodyPr/>
+          <a:lstStyle/>
+          <a:p>
+            <a:r>
+              <a:rPr lang="pt-BR" dirty="0"/>
+              <a:t>Código-fonte dos experimentos</a:t>
+            </a:r>
+          </a:p>
+        </p:txBody>
+      </p:sp>
+      <p:sp>
+        <p:nvSpPr>
+          <p:cNvPr id="3" name="Text Placeholder 2">
+            <a:extLst>
+              <a:ext uri="{FF2B5EF4-FFF2-40B4-BE49-F238E27FC236}">
+                <a16:creationId xmlns:a16="http://schemas.microsoft.com/office/drawing/2014/main" id="{D817158C-0EE3-0FC3-C071-6803B656A230}"/>
+              </a:ext>
+            </a:extLst>
+          </p:cNvPr>
+          <p:cNvSpPr>
+            <a:spLocks noGrp="1"/>
+          </p:cNvSpPr>
+          <p:nvPr>
+            <p:ph type="body" idx="1"/>
+          </p:nvPr>
+        </p:nvSpPr>
+        <p:spPr>
+          <a:xfrm>
+            <a:off x="1241875" y="1125350"/>
+            <a:ext cx="6660300" cy="1554240"/>
+          </a:xfrm>
+        </p:spPr>
+        <p:txBody>
+          <a:bodyPr/>
+          <a:lstStyle/>
+          <a:p>
+            <a:r>
+              <a:rPr lang="pt-BR" sz="1800" dirty="0"/>
+              <a:t>Código-fonte: </a:t>
+            </a:r>
+            <a:r>
+              <a:rPr lang="pt-BR" sz="1800" dirty="0">
+                <a:hlinkClick r:id="rId2"/>
+              </a:rPr>
+              <a:t>https://github.com/asantos2000/caderno-bd</a:t>
+            </a:r>
+            <a:r>
+              <a:rPr lang="pt-BR" sz="1800" dirty="0"/>
+              <a:t> </a:t>
+            </a:r>
+          </a:p>
+          <a:p>
+            <a:r>
+              <a:rPr lang="pt-BR" sz="1800" dirty="0"/>
+              <a:t>Caderno publicado: </a:t>
+            </a:r>
+            <a:r>
+              <a:rPr lang="pt-BR" sz="1800" b="0" i="0" dirty="0">
+                <a:solidFill>
+                  <a:srgbClr val="C9D1D9"/>
+                </a:solidFill>
+                <a:effectLst/>
+              </a:rPr>
+              <a:t> </a:t>
+            </a:r>
+            <a:r>
+              <a:rPr lang="pt-BR" sz="1800" b="0" i="0" u="none" strike="noStrike" dirty="0">
+                <a:effectLst/>
+                <a:hlinkClick r:id="rId3"/>
+              </a:rPr>
+              <a:t>https://bookdown.org/adsantos/caderno-bd/</a:t>
+            </a:r>
+            <a:endParaRPr lang="pt-BR" sz="1800" dirty="0"/>
+          </a:p>
+        </p:txBody>
+      </p:sp>
+      <p:sp>
+        <p:nvSpPr>
+          <p:cNvPr id="4" name="Slide Number Placeholder 3">
+            <a:extLst>
+              <a:ext uri="{FF2B5EF4-FFF2-40B4-BE49-F238E27FC236}">
+                <a16:creationId xmlns:a16="http://schemas.microsoft.com/office/drawing/2014/main" id="{8B93D821-30D0-E503-F419-382A14ABE2DD}"/>
+              </a:ext>
+            </a:extLst>
+          </p:cNvPr>
+          <p:cNvSpPr>
+            <a:spLocks noGrp="1"/>
+          </p:cNvSpPr>
+          <p:nvPr>
+            <p:ph type="sldNum" idx="12"/>
+          </p:nvPr>
+        </p:nvSpPr>
+        <p:spPr/>
+        <p:txBody>
+          <a:bodyPr/>
+          <a:lstStyle/>
+          <a:p>
+            <a:fld id="{00000000-1234-1234-1234-123412341234}" type="slidenum">
+              <a:rPr lang="en" smtClean="0"/>
+              <a:pPr/>
+              <a:t>30</a:t>
+            </a:fld>
+            <a:endParaRPr lang="en"/>
+          </a:p>
+        </p:txBody>
+      </p:sp>
+      <p:sp>
+        <p:nvSpPr>
+          <p:cNvPr id="5" name="Text Placeholder 2">
+            <a:extLst>
+              <a:ext uri="{FF2B5EF4-FFF2-40B4-BE49-F238E27FC236}">
+                <a16:creationId xmlns:a16="http://schemas.microsoft.com/office/drawing/2014/main" id="{891AE5A7-C34A-3AAA-B792-EF932126D63D}"/>
+              </a:ext>
+            </a:extLst>
+          </p:cNvPr>
+          <p:cNvSpPr txBox="1">
+            <a:spLocks/>
+          </p:cNvSpPr>
+          <p:nvPr/>
+        </p:nvSpPr>
+        <p:spPr>
+          <a:xfrm>
+            <a:off x="1241875" y="2868836"/>
+            <a:ext cx="6660300" cy="1554240"/>
+          </a:xfrm>
+          <a:prstGeom prst="rect">
+            <a:avLst/>
+          </a:prstGeom>
+          <a:noFill/>
+          <a:ln>
+            <a:noFill/>
+          </a:ln>
+        </p:spPr>
+        <p:txBody>
+          <a:bodyPr spcFirstLastPara="1" wrap="square" lIns="0" tIns="0" rIns="0" bIns="0" anchor="t" anchorCtr="0">
+            <a:noAutofit/>
+          </a:bodyPr>
+          <a:lstStyle>
+            <a:defPPr marR="0" lvl="0" algn="l" rtl="0">
+              <a:lnSpc>
+                <a:spcPct val="100000"/>
+              </a:lnSpc>
+              <a:spcBef>
+                <a:spcPts val="0"/>
+              </a:spcBef>
+              <a:spcAft>
+                <a:spcPts val="0"/>
+              </a:spcAft>
+            </a:defPPr>
+            <a:lvl1pPr marL="457200" marR="0" lvl="0" indent="-381000" algn="l" rtl="0">
+              <a:lnSpc>
+                <a:spcPct val="115000"/>
+              </a:lnSpc>
+              <a:spcBef>
+                <a:spcPts val="0"/>
+              </a:spcBef>
+              <a:spcAft>
+                <a:spcPts val="0"/>
+              </a:spcAft>
+              <a:buClr>
+                <a:schemeClr val="accent1"/>
+              </a:buClr>
+              <a:buSzPts val="2400"/>
+              <a:buFont typeface="Catamaran Thin"/>
+              <a:buChar char="▹"/>
+              <a:defRPr sz="2400" b="0" i="0" u="none" strike="noStrike" cap="none">
+                <a:solidFill>
+                  <a:schemeClr val="dk1"/>
+                </a:solidFill>
+                <a:latin typeface="+mj-lt"/>
+                <a:ea typeface="Catamaran Thin"/>
+                <a:cs typeface="Arial" panose="020B0604020202020204" pitchFamily="34" charset="0"/>
+                <a:sym typeface="Catamaran Thin"/>
+              </a:defRPr>
+            </a:lvl1pPr>
+            <a:lvl2pPr marL="914400" marR="0" lvl="1" indent="-381000" algn="l" rtl="0">
+              <a:lnSpc>
+                <a:spcPct val="115000"/>
+              </a:lnSpc>
+              <a:spcBef>
+                <a:spcPts val="800"/>
+              </a:spcBef>
+              <a:spcAft>
+                <a:spcPts val="0"/>
+              </a:spcAft>
+              <a:buClr>
+                <a:schemeClr val="accent1"/>
+              </a:buClr>
+              <a:buSzPts val="2400"/>
+              <a:buFont typeface="Catamaran Thin"/>
+              <a:buChar char="▸"/>
+              <a:defRPr sz="2400" b="0" i="0" u="none" strike="noStrike" cap="none">
+                <a:solidFill>
+                  <a:schemeClr val="dk1"/>
+                </a:solidFill>
+                <a:latin typeface="Catamaran Thin"/>
+                <a:ea typeface="Catamaran Thin"/>
+                <a:cs typeface="Catamaran Thin"/>
+                <a:sym typeface="Catamaran Thin"/>
+              </a:defRPr>
+            </a:lvl2pPr>
+            <a:lvl3pPr marL="1371600" marR="0" lvl="2" indent="-381000" algn="l" rtl="0">
+              <a:lnSpc>
+                <a:spcPct val="115000"/>
+              </a:lnSpc>
+              <a:spcBef>
+                <a:spcPts val="800"/>
+              </a:spcBef>
+              <a:spcAft>
+                <a:spcPts val="0"/>
+              </a:spcAft>
+              <a:buClr>
+                <a:schemeClr val="accent1"/>
+              </a:buClr>
+              <a:buSzPts val="2400"/>
+              <a:buFont typeface="Catamaran Thin"/>
+              <a:buChar char="■"/>
+              <a:defRPr sz="2400" b="0" i="0" u="none" strike="noStrike" cap="none">
+                <a:solidFill>
+                  <a:schemeClr val="dk1"/>
+                </a:solidFill>
+                <a:latin typeface="Catamaran Thin"/>
+                <a:ea typeface="Catamaran Thin"/>
+                <a:cs typeface="Catamaran Thin"/>
+                <a:sym typeface="Catamaran Thin"/>
+              </a:defRPr>
+            </a:lvl3pPr>
+            <a:lvl4pPr marL="1828800" marR="0" lvl="3" indent="-381000" algn="l" rtl="0">
+              <a:lnSpc>
+                <a:spcPct val="115000"/>
+              </a:lnSpc>
+              <a:spcBef>
+                <a:spcPts val="800"/>
+              </a:spcBef>
+              <a:spcAft>
+                <a:spcPts val="0"/>
+              </a:spcAft>
+              <a:buClr>
+                <a:schemeClr val="dk1"/>
+              </a:buClr>
+              <a:buSzPts val="2400"/>
+              <a:buFont typeface="Catamaran Thin"/>
+              <a:buChar char="●"/>
+              <a:defRPr sz="2400" b="0" i="0" u="none" strike="noStrike" cap="none">
+                <a:solidFill>
+                  <a:schemeClr val="dk1"/>
+                </a:solidFill>
+                <a:latin typeface="Catamaran Thin"/>
+                <a:ea typeface="Catamaran Thin"/>
+                <a:cs typeface="Catamaran Thin"/>
+                <a:sym typeface="Catamaran Thin"/>
+              </a:defRPr>
+            </a:lvl4pPr>
+            <a:lvl5pPr marL="2286000" marR="0" lvl="4" indent="-381000" algn="l" rtl="0">
+              <a:lnSpc>
+                <a:spcPct val="115000"/>
+              </a:lnSpc>
+              <a:spcBef>
+                <a:spcPts val="800"/>
+              </a:spcBef>
+              <a:spcAft>
+                <a:spcPts val="0"/>
+              </a:spcAft>
+              <a:buClr>
+                <a:schemeClr val="dk1"/>
+              </a:buClr>
+              <a:buSzPts val="2400"/>
+              <a:buFont typeface="Catamaran Thin"/>
+              <a:buChar char="○"/>
+              <a:defRPr sz="2400" b="0" i="0" u="none" strike="noStrike" cap="none">
+                <a:solidFill>
+                  <a:schemeClr val="dk1"/>
+                </a:solidFill>
+                <a:latin typeface="Catamaran Thin"/>
+                <a:ea typeface="Catamaran Thin"/>
+                <a:cs typeface="Catamaran Thin"/>
+                <a:sym typeface="Catamaran Thin"/>
+              </a:defRPr>
+            </a:lvl5pPr>
+            <a:lvl6pPr marL="2743200" marR="0" lvl="5" indent="-381000" algn="l" rtl="0">
+              <a:lnSpc>
+                <a:spcPct val="115000"/>
+              </a:lnSpc>
+              <a:spcBef>
+                <a:spcPts val="800"/>
+              </a:spcBef>
+              <a:spcAft>
+                <a:spcPts val="0"/>
+              </a:spcAft>
+              <a:buClr>
+                <a:schemeClr val="dk1"/>
+              </a:buClr>
+              <a:buSzPts val="2400"/>
+              <a:buFont typeface="Catamaran Thin"/>
+              <a:buChar char="■"/>
+              <a:defRPr sz="2400" b="0" i="0" u="none" strike="noStrike" cap="none">
+                <a:solidFill>
+                  <a:schemeClr val="dk1"/>
+                </a:solidFill>
+                <a:latin typeface="Catamaran Thin"/>
+                <a:ea typeface="Catamaran Thin"/>
+                <a:cs typeface="Catamaran Thin"/>
+                <a:sym typeface="Catamaran Thin"/>
+              </a:defRPr>
+            </a:lvl6pPr>
+            <a:lvl7pPr marL="3200400" marR="0" lvl="6" indent="-381000" algn="l" rtl="0">
+              <a:lnSpc>
+                <a:spcPct val="115000"/>
+              </a:lnSpc>
+              <a:spcBef>
+                <a:spcPts val="800"/>
+              </a:spcBef>
+              <a:spcAft>
+                <a:spcPts val="0"/>
+              </a:spcAft>
+              <a:buClr>
+                <a:schemeClr val="dk1"/>
+              </a:buClr>
+              <a:buSzPts val="2400"/>
+              <a:buFont typeface="Catamaran Thin"/>
+              <a:buChar char="●"/>
+              <a:defRPr sz="2400" b="0" i="0" u="none" strike="noStrike" cap="none">
+                <a:solidFill>
+                  <a:schemeClr val="dk1"/>
+                </a:solidFill>
+                <a:latin typeface="Catamaran Thin"/>
+                <a:ea typeface="Catamaran Thin"/>
+                <a:cs typeface="Catamaran Thin"/>
+                <a:sym typeface="Catamaran Thin"/>
+              </a:defRPr>
+            </a:lvl7pPr>
+            <a:lvl8pPr marL="3657600" marR="0" lvl="7" indent="-381000" algn="l" rtl="0">
+              <a:lnSpc>
+                <a:spcPct val="115000"/>
+              </a:lnSpc>
+              <a:spcBef>
+                <a:spcPts val="800"/>
+              </a:spcBef>
+              <a:spcAft>
+                <a:spcPts val="0"/>
+              </a:spcAft>
+              <a:buClr>
+                <a:schemeClr val="dk1"/>
+              </a:buClr>
+              <a:buSzPts val="2400"/>
+              <a:buFont typeface="Catamaran Thin"/>
+              <a:buChar char="○"/>
+              <a:defRPr sz="2400" b="0" i="0" u="none" strike="noStrike" cap="none">
+                <a:solidFill>
+                  <a:schemeClr val="dk1"/>
+                </a:solidFill>
+                <a:latin typeface="Catamaran Thin"/>
+                <a:ea typeface="Catamaran Thin"/>
+                <a:cs typeface="Catamaran Thin"/>
+                <a:sym typeface="Catamaran Thin"/>
+              </a:defRPr>
+            </a:lvl8pPr>
+            <a:lvl9pPr marL="4114800" marR="0" lvl="8" indent="-381000" algn="l" rtl="0">
+              <a:lnSpc>
+                <a:spcPct val="115000"/>
+              </a:lnSpc>
+              <a:spcBef>
+                <a:spcPts val="800"/>
+              </a:spcBef>
+              <a:spcAft>
+                <a:spcPts val="800"/>
+              </a:spcAft>
+              <a:buClr>
+                <a:schemeClr val="dk1"/>
+              </a:buClr>
+              <a:buSzPts val="2400"/>
+              <a:buFont typeface="Catamaran Thin"/>
+              <a:buChar char="■"/>
+              <a:defRPr sz="2400" b="0" i="0" u="none" strike="noStrike" cap="none">
+                <a:solidFill>
+                  <a:schemeClr val="dk1"/>
+                </a:solidFill>
+                <a:latin typeface="Catamaran Thin"/>
+                <a:ea typeface="Catamaran Thin"/>
+                <a:cs typeface="Catamaran Thin"/>
+                <a:sym typeface="Catamaran Thin"/>
+              </a:defRPr>
+            </a:lvl9pPr>
+          </a:lstStyle>
+          <a:p>
+            <a:pPr marL="76200" indent="0">
+              <a:buNone/>
+            </a:pPr>
+            <a:r>
+              <a:rPr lang="pt-BR" sz="1400" dirty="0"/>
+              <a:t>Isenção de responsabilidade</a:t>
+            </a:r>
+          </a:p>
+          <a:p>
+            <a:pPr marL="76200" indent="0">
+              <a:buNone/>
+            </a:pPr>
+            <a:endParaRPr lang="pt-BR" sz="1400" dirty="0"/>
+          </a:p>
+          <a:p>
+            <a:pPr marL="76200" indent="0">
+              <a:buNone/>
+            </a:pPr>
+            <a:r>
+              <a:rPr lang="pt-BR" sz="1400" dirty="0"/>
+              <a:t>Todas as informações e dados pertencem aos seus respectivos donos.</a:t>
+            </a:r>
+          </a:p>
+          <a:p>
+            <a:pPr marL="76200" indent="0">
+              <a:buNone/>
+            </a:pPr>
+            <a:r>
+              <a:rPr lang="pt-BR" sz="1400" dirty="0"/>
+              <a:t>Trabalho exclusivamente para fins acadêmicos.</a:t>
+            </a:r>
+          </a:p>
+          <a:p>
+            <a:pPr marL="76200" indent="0">
+              <a:buNone/>
+            </a:pPr>
+            <a:r>
+              <a:rPr lang="pt-BR" sz="1400" dirty="0"/>
+              <a:t>As informações expressas neste trabalho são de opinião exclusiva do autor.</a:t>
+            </a:r>
+          </a:p>
+        </p:txBody>
+      </p:sp>
+    </p:spTree>
+    <p:extLst>
+      <p:ext uri="{BB962C8B-B14F-4D97-AF65-F5344CB8AC3E}">
+        <p14:creationId xmlns:p14="http://schemas.microsoft.com/office/powerpoint/2010/main" val="2400734519"/>
+      </p:ext>
+    </p:extLst>
+  </p:cSld>
+  <p:clrMapOvr>
+    <a:masterClrMapping/>
+  </p:clrMapOvr>
+</p:sld>
+</file>
+
+<file path=ppt/slides/slide31.xml><?xml version="1.0" encoding="utf-8"?>
+<p:sld xmlns:a="http://schemas.openxmlformats.org/drawingml/2006/main" xmlns:r="http://schemas.openxmlformats.org/officeDocument/2006/relationships" xmlns:p="http://schemas.openxmlformats.org/presentationml/2006/main">
+  <p:cSld>
+    <p:spTree>
+      <p:nvGrpSpPr>
+        <p:cNvPr id="1" name=""/>
+        <p:cNvGrpSpPr/>
+        <p:nvPr/>
+      </p:nvGrpSpPr>
+      <p:grpSpPr>
+        <a:xfrm>
+          <a:off x="0" y="0"/>
+          <a:ext cx="0" cy="0"/>
+          <a:chOff x="0" y="0"/>
+          <a:chExt cx="0" cy="0"/>
+        </a:xfrm>
+      </p:grpSpPr>
+      <p:sp>
+        <p:nvSpPr>
           <p:cNvPr id="3" name="Espaço Reservado para Número de Slide 2"/>
           <p:cNvSpPr>
             <a:spLocks noGrp="1"/>
@@ -11291,7 +11768,7 @@
             </a:pPr>
             <a:fld id="{00000000-1234-1234-1234-123412341234}" type="slidenum">
               <a:rPr lang="pt-BR" smtClean="0"/>
-              <a:t>30</a:t>
+              <a:t>31</a:t>
             </a:fld>
             <a:endParaRPr lang="pt-BR"/>
           </a:p>
@@ -13156,18 +13633,18 @@
 </file>
 
 <file path=customXml/item1.xml><?xml version="1.0" encoding="utf-8"?>
-<p:properties xmlns:p="http://schemas.microsoft.com/office/2006/metadata/properties" xmlns:xsi="http://www.w3.org/2001/XMLSchema-instance" xmlns:pc="http://schemas.microsoft.com/office/infopath/2007/PartnerControls">
-  <documentManagement/>
-</p:properties>
-</file>
-
-<file path=customXml/item2.xml><?xml version="1.0" encoding="utf-8"?>
 <?mso-contentType ?>
 <FormTemplates xmlns="http://schemas.microsoft.com/sharepoint/v3/contenttype/forms">
   <Display>DocumentLibraryForm</Display>
   <Edit>DocumentLibraryForm</Edit>
   <New>DocumentLibraryForm</New>
 </FormTemplates>
+</file>
+
+<file path=customXml/item2.xml><?xml version="1.0" encoding="utf-8"?>
+<p:properties xmlns:p="http://schemas.microsoft.com/office/2006/metadata/properties" xmlns:xsi="http://www.w3.org/2001/XMLSchema-instance" xmlns:pc="http://schemas.microsoft.com/office/infopath/2007/PartnerControls">
+  <documentManagement/>
+</p:properties>
 </file>
 
 <file path=customXml/item3.xml><?xml version="1.0" encoding="utf-8"?>
@@ -13400,6 +13877,14 @@
 </file>
 
 <file path=customXml/itemProps1.xml><?xml version="1.0" encoding="utf-8"?>
+<ds:datastoreItem xmlns:ds="http://schemas.openxmlformats.org/officeDocument/2006/customXml" ds:itemID="{6987CAC9-BC8E-4BF3-A1E6-2EBB0D93A86D}">
+  <ds:schemaRefs>
+    <ds:schemaRef ds:uri="http://schemas.microsoft.com/sharepoint/v3/contenttype/forms"/>
+  </ds:schemaRefs>
+</ds:datastoreItem>
+</file>
+
+<file path=customXml/itemProps2.xml><?xml version="1.0" encoding="utf-8"?>
 <ds:datastoreItem xmlns:ds="http://schemas.openxmlformats.org/officeDocument/2006/customXml" ds:itemID="{10ABDFD6-8FB0-401E-9356-C03F6DB31998}">
   <ds:schemaRefs>
     <ds:schemaRef ds:uri="http://purl.org/dc/terms/"/>
@@ -13412,14 +13897,6 @@
     <ds:schemaRef ds:uri="http://schemas.microsoft.com/office/infopath/2007/PartnerControls"/>
     <ds:schemaRef ds:uri="65a0ad0d-aef6-4631-9e8a-63032fe3eb72"/>
     <ds:schemaRef ds:uri="http://schemas.microsoft.com/office/2006/metadata/properties"/>
-  </ds:schemaRefs>
-</ds:datastoreItem>
-</file>
-
-<file path=customXml/itemProps2.xml><?xml version="1.0" encoding="utf-8"?>
-<ds:datastoreItem xmlns:ds="http://schemas.openxmlformats.org/officeDocument/2006/customXml" ds:itemID="{6987CAC9-BC8E-4BF3-A1E6-2EBB0D93A86D}">
-  <ds:schemaRefs>
-    <ds:schemaRef ds:uri="http://schemas.microsoft.com/sharepoint/v3/contenttype/forms"/>
   </ds:schemaRefs>
 </ds:datastoreItem>
 </file>
